--- a/Wi20_content/SEDS/L1.1.Command_Line.pptx
+++ b/Wi20_content/SEDS/L1.1.Command_Line.pptx
@@ -5,23 +5,22 @@
     <p:sldMasterId id="2147483648" r:id="rId1"/>
   </p:sldMasterIdLst>
   <p:notesMasterIdLst>
-    <p:notesMasterId r:id="rId16"/>
+    <p:notesMasterId r:id="rId15"/>
   </p:notesMasterIdLst>
   <p:sldIdLst>
     <p:sldId id="256" r:id="rId2"/>
-    <p:sldId id="444" r:id="rId3"/>
-    <p:sldId id="434" r:id="rId4"/>
-    <p:sldId id="435" r:id="rId5"/>
-    <p:sldId id="433" r:id="rId6"/>
-    <p:sldId id="436" r:id="rId7"/>
-    <p:sldId id="437" r:id="rId8"/>
-    <p:sldId id="438" r:id="rId9"/>
-    <p:sldId id="439" r:id="rId10"/>
-    <p:sldId id="440" r:id="rId11"/>
-    <p:sldId id="445" r:id="rId12"/>
-    <p:sldId id="446" r:id="rId13"/>
-    <p:sldId id="441" r:id="rId14"/>
-    <p:sldId id="442" r:id="rId15"/>
+    <p:sldId id="434" r:id="rId3"/>
+    <p:sldId id="435" r:id="rId4"/>
+    <p:sldId id="433" r:id="rId5"/>
+    <p:sldId id="436" r:id="rId6"/>
+    <p:sldId id="437" r:id="rId7"/>
+    <p:sldId id="438" r:id="rId8"/>
+    <p:sldId id="439" r:id="rId9"/>
+    <p:sldId id="440" r:id="rId10"/>
+    <p:sldId id="445" r:id="rId11"/>
+    <p:sldId id="446" r:id="rId12"/>
+    <p:sldId id="441" r:id="rId13"/>
+    <p:sldId id="442" r:id="rId14"/>
   </p:sldIdLst>
   <p:sldSz cx="9144000" cy="6858000" type="screen4x3"/>
   <p:notesSz cx="6858000" cy="9144000"/>
@@ -238,7 +237,7 @@
           <a:p>
             <a:fld id="{08F62E20-B1AA-3442-B8F1-F4A56998389D}" type="datetimeFigureOut">
               <a:rPr lang="en-US" smtClean="0"/>
-              <a:t>1/10/19</a:t>
+              <a:t>1/8/20</a:t>
             </a:fld>
             <a:endParaRPr lang="en-US"/>
           </a:p>
@@ -302,38 +301,37 @@
           <a:p>
             <a:pPr lvl="0"/>
             <a:r>
-              <a:rPr lang="en-US" smtClean="0"/>
+              <a:rPr lang="en-US"/>
               <a:t>Click to edit Master text styles</a:t>
             </a:r>
           </a:p>
           <a:p>
             <a:pPr lvl="1"/>
             <a:r>
-              <a:rPr lang="en-US" smtClean="0"/>
+              <a:rPr lang="en-US"/>
               <a:t>Second level</a:t>
             </a:r>
           </a:p>
           <a:p>
             <a:pPr lvl="2"/>
             <a:r>
-              <a:rPr lang="en-US" smtClean="0"/>
+              <a:rPr lang="en-US"/>
               <a:t>Third level</a:t>
             </a:r>
           </a:p>
           <a:p>
             <a:pPr lvl="3"/>
             <a:r>
-              <a:rPr lang="en-US" smtClean="0"/>
+              <a:rPr lang="en-US"/>
               <a:t>Fourth level</a:t>
             </a:r>
           </a:p>
           <a:p>
             <a:pPr lvl="4"/>
             <a:r>
-              <a:rPr lang="en-US" smtClean="0"/>
+              <a:rPr lang="en-US"/>
               <a:t>Fifth level</a:t>
             </a:r>
-            <a:endParaRPr lang="en-US"/>
           </a:p>
         </p:txBody>
       </p:sp>
@@ -664,7 +662,7 @@
     </p:spTree>
     <p:extLst>
       <p:ext uri="{BB962C8B-B14F-4D97-AF65-F5344CB8AC3E}">
-        <p14:creationId xmlns:p14="http://schemas.microsoft.com/office/powerpoint/2010/main" val="514259139"/>
+        <p14:creationId xmlns:p14="http://schemas.microsoft.com/office/powerpoint/2010/main" val="626842209"/>
       </p:ext>
     </p:extLst>
   </p:cSld>
@@ -748,7 +746,7 @@
     </p:spTree>
     <p:extLst>
       <p:ext uri="{BB962C8B-B14F-4D97-AF65-F5344CB8AC3E}">
-        <p14:creationId xmlns:p14="http://schemas.microsoft.com/office/powerpoint/2010/main" val="626842209"/>
+        <p14:creationId xmlns:p14="http://schemas.microsoft.com/office/powerpoint/2010/main" val="1762663523"/>
       </p:ext>
     </p:extLst>
   </p:cSld>
@@ -832,7 +830,7 @@
     </p:spTree>
     <p:extLst>
       <p:ext uri="{BB962C8B-B14F-4D97-AF65-F5344CB8AC3E}">
-        <p14:creationId xmlns:p14="http://schemas.microsoft.com/office/powerpoint/2010/main" val="1762663523"/>
+        <p14:creationId xmlns:p14="http://schemas.microsoft.com/office/powerpoint/2010/main" val="1891843614"/>
       </p:ext>
     </p:extLst>
   </p:cSld>
@@ -907,7 +905,7 @@
           <a:p>
             <a:fld id="{90C4E4C1-AC8F-D74E-8D15-CAC414F5A92D}" type="slidenum">
               <a:rPr lang="en-US" smtClean="0"/>
-              <a:t>5</a:t>
+              <a:t>10</a:t>
             </a:fld>
             <a:endParaRPr lang="en-US"/>
           </a:p>
@@ -916,7 +914,7 @@
     </p:spTree>
     <p:extLst>
       <p:ext uri="{BB962C8B-B14F-4D97-AF65-F5344CB8AC3E}">
-        <p14:creationId xmlns:p14="http://schemas.microsoft.com/office/powerpoint/2010/main" val="1891843614"/>
+        <p14:creationId xmlns:p14="http://schemas.microsoft.com/office/powerpoint/2010/main" val="108075008"/>
       </p:ext>
     </p:extLst>
   </p:cSld>
@@ -992,90 +990,6 @@
             <a:fld id="{90C4E4C1-AC8F-D74E-8D15-CAC414F5A92D}" type="slidenum">
               <a:rPr lang="en-US" smtClean="0"/>
               <a:t>11</a:t>
-            </a:fld>
-            <a:endParaRPr lang="en-US"/>
-          </a:p>
-        </p:txBody>
-      </p:sp>
-    </p:spTree>
-    <p:extLst>
-      <p:ext uri="{BB962C8B-B14F-4D97-AF65-F5344CB8AC3E}">
-        <p14:creationId xmlns:p14="http://schemas.microsoft.com/office/powerpoint/2010/main" val="108075008"/>
-      </p:ext>
-    </p:extLst>
-  </p:cSld>
-  <p:clrMapOvr>
-    <a:masterClrMapping/>
-  </p:clrMapOvr>
-</p:notes>
-</file>
-
-<file path=ppt/notesSlides/notesSlide7.xml><?xml version="1.0" encoding="utf-8"?>
-<p:notes xmlns:a="http://schemas.openxmlformats.org/drawingml/2006/main" xmlns:r="http://schemas.openxmlformats.org/officeDocument/2006/relationships" xmlns:p="http://schemas.openxmlformats.org/presentationml/2006/main">
-  <p:cSld>
-    <p:spTree>
-      <p:nvGrpSpPr>
-        <p:cNvPr id="1" name=""/>
-        <p:cNvGrpSpPr/>
-        <p:nvPr/>
-      </p:nvGrpSpPr>
-      <p:grpSpPr>
-        <a:xfrm>
-          <a:off x="0" y="0"/>
-          <a:ext cx="0" cy="0"/>
-          <a:chOff x="0" y="0"/>
-          <a:chExt cx="0" cy="0"/>
-        </a:xfrm>
-      </p:grpSpPr>
-      <p:sp>
-        <p:nvSpPr>
-          <p:cNvPr id="2" name="Slide Image Placeholder 1"/>
-          <p:cNvSpPr>
-            <a:spLocks noGrp="1" noRot="1" noChangeAspect="1"/>
-          </p:cNvSpPr>
-          <p:nvPr>
-            <p:ph type="sldImg"/>
-          </p:nvPr>
-        </p:nvSpPr>
-        <p:spPr/>
-      </p:sp>
-      <p:sp>
-        <p:nvSpPr>
-          <p:cNvPr id="3" name="Notes Placeholder 2"/>
-          <p:cNvSpPr>
-            <a:spLocks noGrp="1"/>
-          </p:cNvSpPr>
-          <p:nvPr>
-            <p:ph type="body" idx="1"/>
-          </p:nvPr>
-        </p:nvSpPr>
-        <p:spPr/>
-        <p:txBody>
-          <a:bodyPr/>
-          <a:lstStyle/>
-          <a:p>
-            <a:endParaRPr lang="en-US" dirty="0"/>
-          </a:p>
-        </p:txBody>
-      </p:sp>
-      <p:sp>
-        <p:nvSpPr>
-          <p:cNvPr id="4" name="Slide Number Placeholder 3"/>
-          <p:cNvSpPr>
-            <a:spLocks noGrp="1"/>
-          </p:cNvSpPr>
-          <p:nvPr>
-            <p:ph type="sldNum" sz="quarter" idx="10"/>
-          </p:nvPr>
-        </p:nvSpPr>
-        <p:spPr/>
-        <p:txBody>
-          <a:bodyPr/>
-          <a:lstStyle/>
-          <a:p>
-            <a:fld id="{90C4E4C1-AC8F-D74E-8D15-CAC414F5A92D}" type="slidenum">
-              <a:rPr lang="en-US" smtClean="0"/>
-              <a:t>12</a:t>
             </a:fld>
             <a:endParaRPr lang="en-US"/>
           </a:p>
@@ -1132,10 +1046,9 @@
           <a:lstStyle/>
           <a:p>
             <a:r>
-              <a:rPr lang="en-US" smtClean="0"/>
+              <a:rPr lang="en-US"/>
               <a:t>Click to edit Master title style</a:t>
             </a:r>
-            <a:endParaRPr lang="en-US"/>
           </a:p>
         </p:txBody>
       </p:sp>
@@ -1251,10 +1164,9 @@
           </a:lstStyle>
           <a:p>
             <a:r>
-              <a:rPr lang="en-US" smtClean="0"/>
+              <a:rPr lang="en-US"/>
               <a:t>Click to edit Master subtitle style</a:t>
             </a:r>
-            <a:endParaRPr lang="en-US"/>
           </a:p>
         </p:txBody>
       </p:sp>
@@ -1283,7 +1195,7 @@
           <a:p>
             <a:fld id="{2691D6E4-0F7A-0249-86EF-226720E50E4C}" type="datetimeFigureOut">
               <a:rPr lang="en-US" smtClean="0"/>
-              <a:t>1/10/19</a:t>
+              <a:t>1/8/20</a:t>
             </a:fld>
             <a:endParaRPr lang="en-US"/>
           </a:p>
@@ -1393,10 +1305,9 @@
           <a:lstStyle/>
           <a:p>
             <a:r>
-              <a:rPr lang="en-US" smtClean="0"/>
+              <a:rPr lang="en-US"/>
               <a:t>Click to edit Master title style</a:t>
             </a:r>
-            <a:endParaRPr lang="en-US"/>
           </a:p>
         </p:txBody>
       </p:sp>
@@ -1417,38 +1328,37 @@
           <a:p>
             <a:pPr lvl="0"/>
             <a:r>
-              <a:rPr lang="en-US" smtClean="0"/>
+              <a:rPr lang="en-US"/>
               <a:t>Click to edit Master text styles</a:t>
             </a:r>
           </a:p>
           <a:p>
             <a:pPr lvl="1"/>
             <a:r>
-              <a:rPr lang="en-US" smtClean="0"/>
+              <a:rPr lang="en-US"/>
               <a:t>Second level</a:t>
             </a:r>
           </a:p>
           <a:p>
             <a:pPr lvl="2"/>
             <a:r>
-              <a:rPr lang="en-US" smtClean="0"/>
+              <a:rPr lang="en-US"/>
               <a:t>Third level</a:t>
             </a:r>
           </a:p>
           <a:p>
             <a:pPr lvl="3"/>
             <a:r>
-              <a:rPr lang="en-US" smtClean="0"/>
+              <a:rPr lang="en-US"/>
               <a:t>Fourth level</a:t>
             </a:r>
           </a:p>
           <a:p>
             <a:pPr lvl="4"/>
             <a:r>
-              <a:rPr lang="en-US" smtClean="0"/>
+              <a:rPr lang="en-US"/>
               <a:t>Fifth level</a:t>
             </a:r>
-            <a:endParaRPr lang="en-US"/>
           </a:p>
         </p:txBody>
       </p:sp>
@@ -1477,7 +1387,7 @@
           <a:p>
             <a:fld id="{2691D6E4-0F7A-0249-86EF-226720E50E4C}" type="datetimeFigureOut">
               <a:rPr lang="en-US" smtClean="0"/>
-              <a:t>1/10/19</a:t>
+              <a:t>1/8/20</a:t>
             </a:fld>
             <a:endParaRPr lang="en-US"/>
           </a:p>
@@ -1592,10 +1502,9 @@
           <a:lstStyle/>
           <a:p>
             <a:r>
-              <a:rPr lang="en-US" smtClean="0"/>
+              <a:rPr lang="en-US"/>
               <a:t>Click to edit Master title style</a:t>
             </a:r>
-            <a:endParaRPr lang="en-US"/>
           </a:p>
         </p:txBody>
       </p:sp>
@@ -1621,38 +1530,37 @@
           <a:p>
             <a:pPr lvl="0"/>
             <a:r>
-              <a:rPr lang="en-US" smtClean="0"/>
+              <a:rPr lang="en-US"/>
               <a:t>Click to edit Master text styles</a:t>
             </a:r>
           </a:p>
           <a:p>
             <a:pPr lvl="1"/>
             <a:r>
-              <a:rPr lang="en-US" smtClean="0"/>
+              <a:rPr lang="en-US"/>
               <a:t>Second level</a:t>
             </a:r>
           </a:p>
           <a:p>
             <a:pPr lvl="2"/>
             <a:r>
-              <a:rPr lang="en-US" smtClean="0"/>
+              <a:rPr lang="en-US"/>
               <a:t>Third level</a:t>
             </a:r>
           </a:p>
           <a:p>
             <a:pPr lvl="3"/>
             <a:r>
-              <a:rPr lang="en-US" smtClean="0"/>
+              <a:rPr lang="en-US"/>
               <a:t>Fourth level</a:t>
             </a:r>
           </a:p>
           <a:p>
             <a:pPr lvl="4"/>
             <a:r>
-              <a:rPr lang="en-US" smtClean="0"/>
+              <a:rPr lang="en-US"/>
               <a:t>Fifth level</a:t>
             </a:r>
-            <a:endParaRPr lang="en-US"/>
           </a:p>
         </p:txBody>
       </p:sp>
@@ -1681,7 +1589,7 @@
           <a:p>
             <a:fld id="{2691D6E4-0F7A-0249-86EF-226720E50E4C}" type="datetimeFigureOut">
               <a:rPr lang="en-US" smtClean="0"/>
-              <a:t>1/10/19</a:t>
+              <a:t>1/8/20</a:t>
             </a:fld>
             <a:endParaRPr lang="en-US"/>
           </a:p>
@@ -1791,10 +1699,9 @@
           <a:lstStyle/>
           <a:p>
             <a:r>
-              <a:rPr lang="en-US" smtClean="0"/>
+              <a:rPr lang="en-US"/>
               <a:t>Click to edit Master title style</a:t>
             </a:r>
-            <a:endParaRPr lang="en-US"/>
           </a:p>
         </p:txBody>
       </p:sp>
@@ -1815,38 +1722,37 @@
           <a:p>
             <a:pPr lvl="0"/>
             <a:r>
-              <a:rPr lang="en-US" smtClean="0"/>
+              <a:rPr lang="en-US"/>
               <a:t>Click to edit Master text styles</a:t>
             </a:r>
           </a:p>
           <a:p>
             <a:pPr lvl="1"/>
             <a:r>
-              <a:rPr lang="en-US" smtClean="0"/>
+              <a:rPr lang="en-US"/>
               <a:t>Second level</a:t>
             </a:r>
           </a:p>
           <a:p>
             <a:pPr lvl="2"/>
             <a:r>
-              <a:rPr lang="en-US" smtClean="0"/>
+              <a:rPr lang="en-US"/>
               <a:t>Third level</a:t>
             </a:r>
           </a:p>
           <a:p>
             <a:pPr lvl="3"/>
             <a:r>
-              <a:rPr lang="en-US" smtClean="0"/>
+              <a:rPr lang="en-US"/>
               <a:t>Fourth level</a:t>
             </a:r>
           </a:p>
           <a:p>
             <a:pPr lvl="4"/>
             <a:r>
-              <a:rPr lang="en-US" smtClean="0"/>
+              <a:rPr lang="en-US"/>
               <a:t>Fifth level</a:t>
             </a:r>
-            <a:endParaRPr lang="en-US"/>
           </a:p>
         </p:txBody>
       </p:sp>
@@ -1875,7 +1781,7 @@
           <a:p>
             <a:fld id="{2691D6E4-0F7A-0249-86EF-226720E50E4C}" type="datetimeFigureOut">
               <a:rPr lang="en-US" smtClean="0"/>
-              <a:t>1/10/19</a:t>
+              <a:t>1/8/20</a:t>
             </a:fld>
             <a:endParaRPr lang="en-US"/>
           </a:p>
@@ -1994,10 +1900,9 @@
           </a:lstStyle>
           <a:p>
             <a:r>
-              <a:rPr lang="en-US" smtClean="0"/>
+              <a:rPr lang="en-US"/>
               <a:t>Click to edit Master title style</a:t>
             </a:r>
-            <a:endParaRPr lang="en-US"/>
           </a:p>
         </p:txBody>
       </p:sp>
@@ -2114,7 +2019,7 @@
           <a:p>
             <a:pPr lvl="0"/>
             <a:r>
-              <a:rPr lang="en-US" smtClean="0"/>
+              <a:rPr lang="en-US"/>
               <a:t>Click to edit Master text styles</a:t>
             </a:r>
           </a:p>
@@ -2145,7 +2050,7 @@
           <a:p>
             <a:fld id="{2691D6E4-0F7A-0249-86EF-226720E50E4C}" type="datetimeFigureOut">
               <a:rPr lang="en-US" smtClean="0"/>
-              <a:t>1/10/19</a:t>
+              <a:t>1/8/20</a:t>
             </a:fld>
             <a:endParaRPr lang="en-US"/>
           </a:p>
@@ -2255,10 +2160,9 @@
           <a:lstStyle/>
           <a:p>
             <a:r>
-              <a:rPr lang="en-US" smtClean="0"/>
+              <a:rPr lang="en-US"/>
               <a:t>Click to edit Master title style</a:t>
             </a:r>
-            <a:endParaRPr lang="en-US"/>
           </a:p>
         </p:txBody>
       </p:sp>
@@ -2312,38 +2216,37 @@
           <a:p>
             <a:pPr lvl="0"/>
             <a:r>
-              <a:rPr lang="en-US" smtClean="0"/>
+              <a:rPr lang="en-US"/>
               <a:t>Click to edit Master text styles</a:t>
             </a:r>
           </a:p>
           <a:p>
             <a:pPr lvl="1"/>
             <a:r>
-              <a:rPr lang="en-US" smtClean="0"/>
+              <a:rPr lang="en-US"/>
               <a:t>Second level</a:t>
             </a:r>
           </a:p>
           <a:p>
             <a:pPr lvl="2"/>
             <a:r>
-              <a:rPr lang="en-US" smtClean="0"/>
+              <a:rPr lang="en-US"/>
               <a:t>Third level</a:t>
             </a:r>
           </a:p>
           <a:p>
             <a:pPr lvl="3"/>
             <a:r>
-              <a:rPr lang="en-US" smtClean="0"/>
+              <a:rPr lang="en-US"/>
               <a:t>Fourth level</a:t>
             </a:r>
           </a:p>
           <a:p>
             <a:pPr lvl="4"/>
             <a:r>
-              <a:rPr lang="en-US" smtClean="0"/>
+              <a:rPr lang="en-US"/>
               <a:t>Fifth level</a:t>
             </a:r>
-            <a:endParaRPr lang="en-US"/>
           </a:p>
         </p:txBody>
       </p:sp>
@@ -2397,38 +2300,37 @@
           <a:p>
             <a:pPr lvl="0"/>
             <a:r>
-              <a:rPr lang="en-US" smtClean="0"/>
+              <a:rPr lang="en-US"/>
               <a:t>Click to edit Master text styles</a:t>
             </a:r>
           </a:p>
           <a:p>
             <a:pPr lvl="1"/>
             <a:r>
-              <a:rPr lang="en-US" smtClean="0"/>
+              <a:rPr lang="en-US"/>
               <a:t>Second level</a:t>
             </a:r>
           </a:p>
           <a:p>
             <a:pPr lvl="2"/>
             <a:r>
-              <a:rPr lang="en-US" smtClean="0"/>
+              <a:rPr lang="en-US"/>
               <a:t>Third level</a:t>
             </a:r>
           </a:p>
           <a:p>
             <a:pPr lvl="3"/>
             <a:r>
-              <a:rPr lang="en-US" smtClean="0"/>
+              <a:rPr lang="en-US"/>
               <a:t>Fourth level</a:t>
             </a:r>
           </a:p>
           <a:p>
             <a:pPr lvl="4"/>
             <a:r>
-              <a:rPr lang="en-US" smtClean="0"/>
+              <a:rPr lang="en-US"/>
               <a:t>Fifth level</a:t>
             </a:r>
-            <a:endParaRPr lang="en-US"/>
           </a:p>
         </p:txBody>
       </p:sp>
@@ -2457,7 +2359,7 @@
           <a:p>
             <a:fld id="{2691D6E4-0F7A-0249-86EF-226720E50E4C}" type="datetimeFigureOut">
               <a:rPr lang="en-US" smtClean="0"/>
-              <a:t>1/10/19</a:t>
+              <a:t>1/8/20</a:t>
             </a:fld>
             <a:endParaRPr lang="en-US"/>
           </a:p>
@@ -2571,10 +2473,9 @@
           </a:lstStyle>
           <a:p>
             <a:r>
-              <a:rPr lang="en-US" smtClean="0"/>
+              <a:rPr lang="en-US"/>
               <a:t>Click to edit Master title style</a:t>
             </a:r>
-            <a:endParaRPr lang="en-US"/>
           </a:p>
         </p:txBody>
       </p:sp>
@@ -2637,7 +2538,7 @@
           <a:p>
             <a:pPr lvl="0"/>
             <a:r>
-              <a:rPr lang="en-US" smtClean="0"/>
+              <a:rPr lang="en-US"/>
               <a:t>Click to edit Master text styles</a:t>
             </a:r>
           </a:p>
@@ -2693,38 +2594,37 @@
           <a:p>
             <a:pPr lvl="0"/>
             <a:r>
-              <a:rPr lang="en-US" smtClean="0"/>
+              <a:rPr lang="en-US"/>
               <a:t>Click to edit Master text styles</a:t>
             </a:r>
           </a:p>
           <a:p>
             <a:pPr lvl="1"/>
             <a:r>
-              <a:rPr lang="en-US" smtClean="0"/>
+              <a:rPr lang="en-US"/>
               <a:t>Second level</a:t>
             </a:r>
           </a:p>
           <a:p>
             <a:pPr lvl="2"/>
             <a:r>
-              <a:rPr lang="en-US" smtClean="0"/>
+              <a:rPr lang="en-US"/>
               <a:t>Third level</a:t>
             </a:r>
           </a:p>
           <a:p>
             <a:pPr lvl="3"/>
             <a:r>
-              <a:rPr lang="en-US" smtClean="0"/>
+              <a:rPr lang="en-US"/>
               <a:t>Fourth level</a:t>
             </a:r>
           </a:p>
           <a:p>
             <a:pPr lvl="4"/>
             <a:r>
-              <a:rPr lang="en-US" smtClean="0"/>
+              <a:rPr lang="en-US"/>
               <a:t>Fifth level</a:t>
             </a:r>
-            <a:endParaRPr lang="en-US"/>
           </a:p>
         </p:txBody>
       </p:sp>
@@ -2787,7 +2687,7 @@
           <a:p>
             <a:pPr lvl="0"/>
             <a:r>
-              <a:rPr lang="en-US" smtClean="0"/>
+              <a:rPr lang="en-US"/>
               <a:t>Click to edit Master text styles</a:t>
             </a:r>
           </a:p>
@@ -2843,38 +2743,37 @@
           <a:p>
             <a:pPr lvl="0"/>
             <a:r>
-              <a:rPr lang="en-US" smtClean="0"/>
+              <a:rPr lang="en-US"/>
               <a:t>Click to edit Master text styles</a:t>
             </a:r>
           </a:p>
           <a:p>
             <a:pPr lvl="1"/>
             <a:r>
-              <a:rPr lang="en-US" smtClean="0"/>
+              <a:rPr lang="en-US"/>
               <a:t>Second level</a:t>
             </a:r>
           </a:p>
           <a:p>
             <a:pPr lvl="2"/>
             <a:r>
-              <a:rPr lang="en-US" smtClean="0"/>
+              <a:rPr lang="en-US"/>
               <a:t>Third level</a:t>
             </a:r>
           </a:p>
           <a:p>
             <a:pPr lvl="3"/>
             <a:r>
-              <a:rPr lang="en-US" smtClean="0"/>
+              <a:rPr lang="en-US"/>
               <a:t>Fourth level</a:t>
             </a:r>
           </a:p>
           <a:p>
             <a:pPr lvl="4"/>
             <a:r>
-              <a:rPr lang="en-US" smtClean="0"/>
+              <a:rPr lang="en-US"/>
               <a:t>Fifth level</a:t>
             </a:r>
-            <a:endParaRPr lang="en-US"/>
           </a:p>
         </p:txBody>
       </p:sp>
@@ -2903,7 +2802,7 @@
           <a:p>
             <a:fld id="{2691D6E4-0F7A-0249-86EF-226720E50E4C}" type="datetimeFigureOut">
               <a:rPr lang="en-US" smtClean="0"/>
-              <a:t>1/10/19</a:t>
+              <a:t>1/8/20</a:t>
             </a:fld>
             <a:endParaRPr lang="en-US"/>
           </a:p>
@@ -3013,10 +2912,9 @@
           <a:lstStyle/>
           <a:p>
             <a:r>
-              <a:rPr lang="en-US" smtClean="0"/>
+              <a:rPr lang="en-US"/>
               <a:t>Click to edit Master title style</a:t>
             </a:r>
-            <a:endParaRPr lang="en-US"/>
           </a:p>
         </p:txBody>
       </p:sp>
@@ -3045,7 +2943,7 @@
           <a:p>
             <a:fld id="{2691D6E4-0F7A-0249-86EF-226720E50E4C}" type="datetimeFigureOut">
               <a:rPr lang="en-US" smtClean="0"/>
-              <a:t>1/10/19</a:t>
+              <a:t>1/8/20</a:t>
             </a:fld>
             <a:endParaRPr lang="en-US"/>
           </a:p>
@@ -3164,7 +3062,7 @@
           <a:p>
             <a:fld id="{2691D6E4-0F7A-0249-86EF-226720E50E4C}" type="datetimeFigureOut">
               <a:rPr lang="en-US" smtClean="0"/>
-              <a:t>1/10/19</a:t>
+              <a:t>1/8/20</a:t>
             </a:fld>
             <a:endParaRPr lang="en-US"/>
           </a:p>
@@ -3283,10 +3181,9 @@
           </a:lstStyle>
           <a:p>
             <a:r>
-              <a:rPr lang="en-US" smtClean="0"/>
+              <a:rPr lang="en-US"/>
               <a:t>Click to edit Master title style</a:t>
             </a:r>
-            <a:endParaRPr lang="en-US"/>
           </a:p>
         </p:txBody>
       </p:sp>
@@ -3340,38 +3237,37 @@
           <a:p>
             <a:pPr lvl="0"/>
             <a:r>
-              <a:rPr lang="en-US" smtClean="0"/>
+              <a:rPr lang="en-US"/>
               <a:t>Click to edit Master text styles</a:t>
             </a:r>
           </a:p>
           <a:p>
             <a:pPr lvl="1"/>
             <a:r>
-              <a:rPr lang="en-US" smtClean="0"/>
+              <a:rPr lang="en-US"/>
               <a:t>Second level</a:t>
             </a:r>
           </a:p>
           <a:p>
             <a:pPr lvl="2"/>
             <a:r>
-              <a:rPr lang="en-US" smtClean="0"/>
+              <a:rPr lang="en-US"/>
               <a:t>Third level</a:t>
             </a:r>
           </a:p>
           <a:p>
             <a:pPr lvl="3"/>
             <a:r>
-              <a:rPr lang="en-US" smtClean="0"/>
+              <a:rPr lang="en-US"/>
               <a:t>Fourth level</a:t>
             </a:r>
           </a:p>
           <a:p>
             <a:pPr lvl="4"/>
             <a:r>
-              <a:rPr lang="en-US" smtClean="0"/>
+              <a:rPr lang="en-US"/>
               <a:t>Fifth level</a:t>
             </a:r>
-            <a:endParaRPr lang="en-US"/>
           </a:p>
         </p:txBody>
       </p:sp>
@@ -3434,7 +3330,7 @@
           <a:p>
             <a:pPr lvl="0"/>
             <a:r>
-              <a:rPr lang="en-US" smtClean="0"/>
+              <a:rPr lang="en-US"/>
               <a:t>Click to edit Master text styles</a:t>
             </a:r>
           </a:p>
@@ -3465,7 +3361,7 @@
           <a:p>
             <a:fld id="{2691D6E4-0F7A-0249-86EF-226720E50E4C}" type="datetimeFigureOut">
               <a:rPr lang="en-US" smtClean="0"/>
-              <a:t>1/10/19</a:t>
+              <a:t>1/8/20</a:t>
             </a:fld>
             <a:endParaRPr lang="en-US"/>
           </a:p>
@@ -3584,10 +3480,9 @@
           </a:lstStyle>
           <a:p>
             <a:r>
-              <a:rPr lang="en-US" smtClean="0"/>
+              <a:rPr lang="en-US"/>
               <a:t>Click to edit Master title style</a:t>
             </a:r>
-            <a:endParaRPr lang="en-US"/>
           </a:p>
         </p:txBody>
       </p:sp>
@@ -3711,7 +3606,7 @@
           <a:p>
             <a:pPr lvl="0"/>
             <a:r>
-              <a:rPr lang="en-US" smtClean="0"/>
+              <a:rPr lang="en-US"/>
               <a:t>Click to edit Master text styles</a:t>
             </a:r>
           </a:p>
@@ -3742,7 +3637,7 @@
           <a:p>
             <a:fld id="{2691D6E4-0F7A-0249-86EF-226720E50E4C}" type="datetimeFigureOut">
               <a:rPr lang="en-US" smtClean="0"/>
-              <a:t>1/10/19</a:t>
+              <a:t>1/8/20</a:t>
             </a:fld>
             <a:endParaRPr lang="en-US"/>
           </a:p>
@@ -3867,10 +3762,9 @@
           <a:lstStyle/>
           <a:p>
             <a:r>
-              <a:rPr lang="en-US" smtClean="0"/>
+              <a:rPr lang="en-US"/>
               <a:t>Click to edit Master title style</a:t>
             </a:r>
-            <a:endParaRPr lang="en-US"/>
           </a:p>
         </p:txBody>
       </p:sp>
@@ -3901,38 +3795,37 @@
           <a:p>
             <a:pPr lvl="0"/>
             <a:r>
-              <a:rPr lang="en-US" smtClean="0"/>
+              <a:rPr lang="en-US"/>
               <a:t>Click to edit Master text styles</a:t>
             </a:r>
           </a:p>
           <a:p>
             <a:pPr lvl="1"/>
             <a:r>
-              <a:rPr lang="en-US" smtClean="0"/>
+              <a:rPr lang="en-US"/>
               <a:t>Second level</a:t>
             </a:r>
           </a:p>
           <a:p>
             <a:pPr lvl="2"/>
             <a:r>
-              <a:rPr lang="en-US" smtClean="0"/>
+              <a:rPr lang="en-US"/>
               <a:t>Third level</a:t>
             </a:r>
           </a:p>
           <a:p>
             <a:pPr lvl="3"/>
             <a:r>
-              <a:rPr lang="en-US" smtClean="0"/>
+              <a:rPr lang="en-US"/>
               <a:t>Fourth level</a:t>
             </a:r>
           </a:p>
           <a:p>
             <a:pPr lvl="4"/>
             <a:r>
-              <a:rPr lang="en-US" smtClean="0"/>
+              <a:rPr lang="en-US"/>
               <a:t>Fifth level</a:t>
             </a:r>
-            <a:endParaRPr lang="en-US"/>
           </a:p>
         </p:txBody>
       </p:sp>
@@ -4357,17 +4250,16 @@
           <a:lstStyle/>
           <a:p>
             <a:r>
-              <a:rPr lang="en-US" sz="3600" dirty="0" smtClean="0"/>
+              <a:rPr lang="en-US" sz="3600" dirty="0"/>
               <a:t>Software Engineering for </a:t>
             </a:r>
             <a:br>
-              <a:rPr lang="en-US" sz="3600" dirty="0" smtClean="0"/>
+              <a:rPr lang="en-US" sz="3600" dirty="0"/>
             </a:br>
             <a:r>
-              <a:rPr lang="en-US" sz="3600" dirty="0" smtClean="0"/>
+              <a:rPr lang="en-US" sz="3600" dirty="0"/>
               <a:t>Molecular Data Scientists</a:t>
             </a:r>
-            <a:endParaRPr lang="en-US" sz="3600" dirty="0"/>
           </a:p>
         </p:txBody>
       </p:sp>
@@ -4394,24 +4286,23 @@
           <a:lstStyle/>
           <a:p>
             <a:r>
-              <a:rPr lang="en-US" dirty="0" smtClean="0"/>
+              <a:rPr lang="en-US" dirty="0"/>
               <a:t>David A. C. Beck (dacb)</a:t>
             </a:r>
           </a:p>
           <a:p>
             <a:r>
-              <a:rPr lang="en-US" dirty="0" smtClean="0"/>
+              <a:rPr lang="en-US" dirty="0"/>
               <a:t>Chemical Engineering &amp; </a:t>
             </a:r>
             <a:r>
-              <a:rPr lang="en-US" dirty="0" err="1" smtClean="0"/>
+              <a:rPr lang="en-US" dirty="0" err="1"/>
               <a:t>eScience</a:t>
             </a:r>
             <a:r>
-              <a:rPr lang="en-US" dirty="0" smtClean="0"/>
+              <a:rPr lang="en-US" dirty="0"/>
               <a:t> Institute</a:t>
             </a:r>
-            <a:endParaRPr lang="en-US" dirty="0"/>
           </a:p>
         </p:txBody>
       </p:sp>
@@ -4486,14 +4377,13 @@
           <a:p>
             <a:pPr algn="ctr"/>
             <a:r>
-              <a:rPr lang="en-US" smtClean="0"/>
+              <a:rPr lang="en-US"/>
               <a:t>Advancing data-intensive </a:t>
             </a:r>
             <a:r>
-              <a:rPr lang="en-US" dirty="0" smtClean="0"/>
+              <a:rPr lang="en-US" dirty="0"/>
               <a:t>discovery in all fields</a:t>
             </a:r>
-            <a:endParaRPr lang="en-US" dirty="0"/>
           </a:p>
         </p:txBody>
       </p:sp>
@@ -4623,10 +4513,9 @@
           <a:p>
             <a:pPr algn="ctr"/>
             <a:r>
-              <a:rPr lang="en-US" dirty="0" smtClean="0"/>
+              <a:rPr lang="en-US" dirty="0"/>
               <a:t>Be boundless</a:t>
             </a:r>
-            <a:endParaRPr lang="en-US" dirty="0"/>
           </a:p>
         </p:txBody>
       </p:sp>
@@ -4787,7 +4676,7 @@
           </a:lstStyle>
           <a:p>
             <a:r>
-              <a:rPr lang="en-US" sz="3600" dirty="0" smtClean="0"/>
+              <a:rPr lang="en-US" sz="3600" dirty="0"/>
               <a:t>UW DIRECT</a:t>
             </a:r>
           </a:p>
@@ -4798,25 +4687,13 @@
             </a:r>
           </a:p>
           <a:p>
-            <a:r>
-              <a:rPr lang="en-US" sz="3600" dirty="0" smtClean="0">
-                <a:hlinkClick r:id="rId6"/>
-              </a:rPr>
-              <a:t>https</a:t>
-            </a:r>
             <a:r>
               <a:rPr lang="en-US" sz="3600" dirty="0">
                 <a:hlinkClick r:id="rId6"/>
               </a:rPr>
-              <a:t>://</a:t>
-            </a:r>
-            <a:r>
-              <a:rPr lang="en-US" sz="3600" dirty="0" smtClean="0">
-                <a:hlinkClick r:id="rId6"/>
-              </a:rPr>
-              <a:t>uwdirect.github.io</a:t>
-            </a:r>
-            <a:endParaRPr lang="en-US" sz="3600" dirty="0" smtClean="0"/>
+              <a:t>https://uwdirect.github.io</a:t>
+            </a:r>
+            <a:endParaRPr lang="en-US" sz="3600" dirty="0"/>
           </a:p>
         </p:txBody>
       </p:sp>
@@ -4830,13 +4707,6 @@
   <p:clrMapOvr>
     <a:masterClrMapping/>
   </p:clrMapOvr>
-  <p:timing>
-    <p:tnLst>
-      <p:par>
-        <p:cTn id="1" dur="indefinite" restart="never" nodeType="tmRoot"/>
-      </p:par>
-    </p:tnLst>
-  </p:timing>
 </p:sld>
 </file>
 
@@ -4869,260 +4739,15 @@
         </p:nvSpPr>
         <p:spPr/>
         <p:txBody>
-          <a:bodyPr/>
-          <a:lstStyle/>
-          <a:p>
-            <a:r>
-              <a:rPr lang="en-US" altLang="x-none" dirty="0"/>
-              <a:t>Commands for </a:t>
-            </a:r>
-            <a:r>
-              <a:rPr lang="en-US" altLang="x-none" dirty="0" smtClean="0"/>
-              <a:t>files </a:t>
-            </a:r>
-            <a:r>
-              <a:rPr lang="en-US" altLang="x-none" dirty="0"/>
-              <a:t>&amp; </a:t>
-            </a:r>
-            <a:r>
-              <a:rPr lang="en-US" altLang="x-none" dirty="0" err="1" smtClean="0"/>
-              <a:t>dirs</a:t>
-            </a:r>
-            <a:endParaRPr lang="en-US" dirty="0"/>
-          </a:p>
-        </p:txBody>
-      </p:sp>
-      <p:sp>
-        <p:nvSpPr>
-          <p:cNvPr id="3" name="Content Placeholder 2"/>
-          <p:cNvSpPr>
-            <a:spLocks noGrp="1"/>
-          </p:cNvSpPr>
-          <p:nvPr>
-            <p:ph idx="1"/>
-          </p:nvPr>
-        </p:nvSpPr>
-        <p:spPr/>
-        <p:txBody>
-          <a:bodyPr/>
-          <a:lstStyle/>
-          <a:p>
-            <a:pPr marL="457200" indent="-457200">
-              <a:buFont typeface="Arial" charset="0"/>
-              <a:buChar char="•"/>
-            </a:pPr>
-            <a:r>
-              <a:rPr lang="en-US" altLang="x-none" dirty="0"/>
-              <a:t>By category</a:t>
-            </a:r>
-          </a:p>
-          <a:p>
-            <a:pPr marL="857250" lvl="1" indent="-457200">
-              <a:buFont typeface="Arial" charset="0"/>
-              <a:buChar char="•"/>
-            </a:pPr>
-            <a:r>
-              <a:rPr lang="en-US" altLang="x-none" dirty="0"/>
-              <a:t>Create</a:t>
-            </a:r>
-          </a:p>
-          <a:p>
-            <a:pPr marL="1257300" lvl="2" indent="-457200">
-              <a:buFont typeface="Arial" charset="0"/>
-              <a:buChar char="•"/>
-            </a:pPr>
-            <a:r>
-              <a:rPr lang="en-US" altLang="x-none" dirty="0"/>
-              <a:t>Directory: </a:t>
-            </a:r>
-            <a:r>
-              <a:rPr lang="en-US" altLang="x-none" dirty="0" err="1">
-                <a:latin typeface="Courier New" charset="0"/>
-              </a:rPr>
-              <a:t>mkdir</a:t>
-            </a:r>
-            <a:endParaRPr lang="en-US" altLang="x-none" dirty="0">
-              <a:latin typeface="Courier New" charset="0"/>
-            </a:endParaRPr>
-          </a:p>
-          <a:p>
-            <a:pPr marL="1257300" lvl="2" indent="-457200">
-              <a:buFont typeface="Arial" charset="0"/>
-              <a:buChar char="•"/>
-            </a:pPr>
-            <a:r>
-              <a:rPr lang="en-US" altLang="x-none" dirty="0"/>
-              <a:t>File: various (e.g., </a:t>
-            </a:r>
-            <a:r>
-              <a:rPr lang="en-US" altLang="x-none" dirty="0" err="1" smtClean="0">
-                <a:latin typeface="Courier New" charset="0"/>
-              </a:rPr>
-              <a:t>cp</a:t>
-            </a:r>
-            <a:r>
-              <a:rPr lang="en-US" altLang="x-none" dirty="0" smtClean="0">
-                <a:latin typeface="Courier New" charset="0"/>
-              </a:rPr>
-              <a:t>, touch</a:t>
-            </a:r>
-            <a:r>
-              <a:rPr lang="en-US" altLang="x-none" dirty="0" smtClean="0"/>
-              <a:t>)</a:t>
-            </a:r>
-            <a:endParaRPr lang="en-US" altLang="x-none" dirty="0"/>
-          </a:p>
-          <a:p>
-            <a:pPr marL="857250" lvl="1" indent="-457200">
-              <a:buFont typeface="Arial" charset="0"/>
-              <a:buChar char="•"/>
-            </a:pPr>
-            <a:r>
-              <a:rPr lang="en-US" altLang="x-none" dirty="0"/>
-              <a:t>View contents</a:t>
-            </a:r>
-          </a:p>
-          <a:p>
-            <a:pPr marL="1257300" lvl="2" indent="-457200">
-              <a:buFont typeface="Arial" charset="0"/>
-              <a:buChar char="•"/>
-            </a:pPr>
-            <a:r>
-              <a:rPr lang="en-US" altLang="x-none" dirty="0"/>
-              <a:t>Directory: </a:t>
-            </a:r>
-            <a:r>
-              <a:rPr lang="en-US" altLang="x-none" dirty="0">
-                <a:latin typeface="Courier New" charset="0"/>
-              </a:rPr>
-              <a:t>ls</a:t>
-            </a:r>
-          </a:p>
-          <a:p>
-            <a:pPr marL="1257300" lvl="2" indent="-457200">
-              <a:buFont typeface="Arial" charset="0"/>
-              <a:buChar char="•"/>
-            </a:pPr>
-            <a:r>
-              <a:rPr lang="en-US" altLang="x-none" dirty="0"/>
-              <a:t>File: </a:t>
-            </a:r>
-            <a:r>
-              <a:rPr lang="en-US" altLang="x-none" dirty="0">
-                <a:latin typeface="Courier New" charset="0"/>
-              </a:rPr>
-              <a:t>cat</a:t>
-            </a:r>
-          </a:p>
-          <a:p>
-            <a:pPr marL="857250" lvl="1" indent="-457200">
-              <a:buFont typeface="Arial" charset="0"/>
-              <a:buChar char="•"/>
-            </a:pPr>
-            <a:r>
-              <a:rPr lang="en-US" altLang="x-none" dirty="0"/>
-              <a:t>Remove</a:t>
-            </a:r>
-          </a:p>
-          <a:p>
-            <a:pPr marL="1257300" lvl="2" indent="-457200">
-              <a:buFont typeface="Arial" charset="0"/>
-              <a:buChar char="•"/>
-            </a:pPr>
-            <a:r>
-              <a:rPr lang="en-US" altLang="x-none" dirty="0"/>
-              <a:t>Directory: </a:t>
-            </a:r>
-            <a:r>
-              <a:rPr lang="en-US" altLang="x-none" dirty="0" err="1">
-                <a:latin typeface="Courier New" charset="0"/>
-              </a:rPr>
-              <a:t>rmdir</a:t>
-            </a:r>
-            <a:endParaRPr lang="en-US" altLang="x-none" dirty="0">
-              <a:latin typeface="Courier New" charset="0"/>
-            </a:endParaRPr>
-          </a:p>
-          <a:p>
-            <a:pPr marL="1257300" lvl="2" indent="-457200">
-              <a:buFont typeface="Arial" charset="0"/>
-              <a:buChar char="•"/>
-            </a:pPr>
-            <a:r>
-              <a:rPr lang="en-US" altLang="x-none" dirty="0"/>
-              <a:t>File: </a:t>
-            </a:r>
-            <a:r>
-              <a:rPr lang="en-US" altLang="x-none" dirty="0" err="1">
-                <a:latin typeface="Courier New" charset="0"/>
-              </a:rPr>
-              <a:t>rm</a:t>
-            </a:r>
-            <a:endParaRPr lang="en-US" altLang="x-none" dirty="0">
-              <a:latin typeface="Courier New" charset="0"/>
-            </a:endParaRPr>
-          </a:p>
-        </p:txBody>
-      </p:sp>
-    </p:spTree>
-    <p:extLst>
-      <p:ext uri="{BB962C8B-B14F-4D97-AF65-F5344CB8AC3E}">
-        <p14:creationId xmlns:p14="http://schemas.microsoft.com/office/powerpoint/2010/main" val="1184325561"/>
-      </p:ext>
-    </p:extLst>
-  </p:cSld>
-  <p:clrMapOvr>
-    <a:masterClrMapping/>
-  </p:clrMapOvr>
-  <p:timing>
-    <p:tnLst>
-      <p:par>
-        <p:cTn id="1" dur="indefinite" restart="never" nodeType="tmRoot"/>
-      </p:par>
-    </p:tnLst>
-  </p:timing>
-</p:sld>
-</file>
-
-<file path=ppt/slides/slide11.xml><?xml version="1.0" encoding="utf-8"?>
-<p:sld xmlns:a="http://schemas.openxmlformats.org/drawingml/2006/main" xmlns:r="http://schemas.openxmlformats.org/officeDocument/2006/relationships" xmlns:p="http://schemas.openxmlformats.org/presentationml/2006/main">
-  <p:cSld>
-    <p:spTree>
-      <p:nvGrpSpPr>
-        <p:cNvPr id="1" name=""/>
-        <p:cNvGrpSpPr/>
-        <p:nvPr/>
-      </p:nvGrpSpPr>
-      <p:grpSpPr>
-        <a:xfrm>
-          <a:off x="0" y="0"/>
-          <a:ext cx="0" cy="0"/>
-          <a:chOff x="0" y="0"/>
-          <a:chExt cx="0" cy="0"/>
-        </a:xfrm>
-      </p:grpSpPr>
-      <p:sp>
-        <p:nvSpPr>
-          <p:cNvPr id="2" name="Title 1"/>
-          <p:cNvSpPr>
-            <a:spLocks noGrp="1"/>
-          </p:cNvSpPr>
-          <p:nvPr>
-            <p:ph type="title"/>
-          </p:nvPr>
-        </p:nvSpPr>
-        <p:spPr/>
-        <p:txBody>
           <a:bodyPr>
             <a:normAutofit/>
           </a:bodyPr>
           <a:lstStyle/>
           <a:p>
             <a:r>
-              <a:rPr lang="en-US" dirty="0" smtClean="0"/>
+              <a:rPr lang="en-US" dirty="0"/>
               <a:t>Data!</a:t>
             </a:r>
-            <a:endParaRPr lang="en-US" dirty="0"/>
           </a:p>
         </p:txBody>
       </p:sp>
@@ -5148,10 +4773,34 @@
                 <a:tableStyleId>{5C22544A-7EE6-4342-B048-85BDC9FD1C3A}</a:tableStyleId>
               </a:tblPr>
               <a:tblGrid>
-                <a:gridCol w="2057400"/>
-                <a:gridCol w="2057400"/>
-                <a:gridCol w="2057400"/>
-                <a:gridCol w="2057400"/>
+                <a:gridCol w="2057400">
+                  <a:extLst>
+                    <a:ext uri="{9D8B030D-6E8A-4147-A177-3AD203B41FA5}">
+                      <a16:colId xmlns:a16="http://schemas.microsoft.com/office/drawing/2014/main" val="20000"/>
+                    </a:ext>
+                  </a:extLst>
+                </a:gridCol>
+                <a:gridCol w="2057400">
+                  <a:extLst>
+                    <a:ext uri="{9D8B030D-6E8A-4147-A177-3AD203B41FA5}">
+                      <a16:colId xmlns:a16="http://schemas.microsoft.com/office/drawing/2014/main" val="20001"/>
+                    </a:ext>
+                  </a:extLst>
+                </a:gridCol>
+                <a:gridCol w="2057400">
+                  <a:extLst>
+                    <a:ext uri="{9D8B030D-6E8A-4147-A177-3AD203B41FA5}">
+                      <a16:colId xmlns:a16="http://schemas.microsoft.com/office/drawing/2014/main" val="20002"/>
+                    </a:ext>
+                  </a:extLst>
+                </a:gridCol>
+                <a:gridCol w="2057400">
+                  <a:extLst>
+                    <a:ext uri="{9D8B030D-6E8A-4147-A177-3AD203B41FA5}">
+                      <a16:colId xmlns:a16="http://schemas.microsoft.com/office/drawing/2014/main" val="20003"/>
+                    </a:ext>
+                  </a:extLst>
+                </a:gridCol>
               </a:tblGrid>
               <a:tr h="370840">
                 <a:tc>
@@ -5160,8 +4809,25 @@
                     <a:lstStyle/>
                     <a:p>
                       <a:r>
-                        <a:rPr lang="en-US" dirty="0" smtClean="0"/>
+                        <a:rPr lang="en-US" dirty="0"/>
                         <a:t>Variable / column</a:t>
+                      </a:r>
+                    </a:p>
+                  </a:txBody>
+                  <a:tcPr/>
+                </a:tc>
+                <a:tc>
+                  <a:txBody>
+                    <a:bodyPr/>
+                    <a:lstStyle/>
+                    <a:p>
+                      <a:r>
+                        <a:rPr lang="en-US" dirty="0"/>
+                        <a:t>Data</a:t>
+                      </a:r>
+                      <a:r>
+                        <a:rPr lang="en-US" baseline="0" dirty="0"/>
+                        <a:t> type</a:t>
                       </a:r>
                       <a:endParaRPr lang="en-US" dirty="0"/>
                     </a:p>
@@ -5174,12 +4840,125 @@
                     <a:lstStyle/>
                     <a:p>
                       <a:r>
-                        <a:rPr lang="en-US" dirty="0" smtClean="0"/>
-                        <a:t>Data</a:t>
-                      </a:r>
-                      <a:r>
-                        <a:rPr lang="en-US" baseline="0" dirty="0" smtClean="0"/>
-                        <a:t> type</a:t>
+                        <a:rPr lang="en-US" dirty="0"/>
+                        <a:t>Units / description</a:t>
+                      </a:r>
+                    </a:p>
+                  </a:txBody>
+                  <a:tcPr/>
+                </a:tc>
+                <a:tc>
+                  <a:txBody>
+                    <a:bodyPr/>
+                    <a:lstStyle/>
+                    <a:p>
+                      <a:r>
+                        <a:rPr lang="en-US" dirty="0"/>
+                        <a:t>Example</a:t>
+                      </a:r>
+                    </a:p>
+                  </a:txBody>
+                  <a:tcPr/>
+                </a:tc>
+                <a:extLst>
+                  <a:ext uri="{0D108BD9-81ED-4DB2-BD59-A6C34878D82A}">
+                    <a16:rowId xmlns:a16="http://schemas.microsoft.com/office/drawing/2014/main" val="10000"/>
+                  </a:ext>
+                </a:extLst>
+              </a:tr>
+              <a:tr h="370840">
+                <a:tc>
+                  <a:txBody>
+                    <a:bodyPr/>
+                    <a:lstStyle/>
+                    <a:p>
+                      <a:r>
+                        <a:rPr lang="en-US" dirty="0"/>
+                        <a:t>id</a:t>
+                      </a:r>
+                    </a:p>
+                  </a:txBody>
+                  <a:tcPr/>
+                </a:tc>
+                <a:tc>
+                  <a:txBody>
+                    <a:bodyPr/>
+                    <a:lstStyle/>
+                    <a:p>
+                      <a:r>
+                        <a:rPr lang="en-US" dirty="0"/>
+                        <a:t>integer</a:t>
+                      </a:r>
+                    </a:p>
+                  </a:txBody>
+                  <a:tcPr/>
+                </a:tc>
+                <a:tc>
+                  <a:txBody>
+                    <a:bodyPr/>
+                    <a:lstStyle/>
+                    <a:p>
+                      <a:r>
+                        <a:rPr lang="en-US" dirty="0"/>
+                        <a:t>CEPD id code</a:t>
+                      </a:r>
+                    </a:p>
+                  </a:txBody>
+                  <a:tcPr/>
+                </a:tc>
+                <a:tc>
+                  <a:txBody>
+                    <a:bodyPr/>
+                    <a:lstStyle/>
+                    <a:p>
+                      <a:pPr marL="0" marR="0" indent="0" algn="l" defTabSz="457200" rtl="0" eaLnBrk="1" fontAlgn="auto" latinLnBrk="0" hangingPunct="1">
+                        <a:lnSpc>
+                          <a:spcPct val="100000"/>
+                        </a:lnSpc>
+                        <a:spcBef>
+                          <a:spcPts val="0"/>
+                        </a:spcBef>
+                        <a:spcAft>
+                          <a:spcPts val="0"/>
+                        </a:spcAft>
+                        <a:buClrTx/>
+                        <a:buSzTx/>
+                        <a:buFontTx/>
+                        <a:buNone/>
+                        <a:tabLst/>
+                        <a:defRPr/>
+                      </a:pPr>
+                      <a:r>
+                        <a:rPr lang="cs-CZ" sz="1800" kern="1200" dirty="0">
+                          <a:solidFill>
+                            <a:schemeClr val="dk1"/>
+                          </a:solidFill>
+                          <a:effectLst/>
+                          <a:latin typeface="+mn-lt"/>
+                          <a:ea typeface="+mn-ea"/>
+                          <a:cs typeface="+mn-cs"/>
+                        </a:rPr>
+                        <a:t>655365</a:t>
+                      </a:r>
+                    </a:p>
+                  </a:txBody>
+                  <a:tcPr/>
+                </a:tc>
+                <a:extLst>
+                  <a:ext uri="{0D108BD9-81ED-4DB2-BD59-A6C34878D82A}">
+                    <a16:rowId xmlns:a16="http://schemas.microsoft.com/office/drawing/2014/main" val="10001"/>
+                  </a:ext>
+                </a:extLst>
+              </a:tr>
+              <a:tr h="370840">
+                <a:tc>
+                  <a:txBody>
+                    <a:bodyPr/>
+                    <a:lstStyle/>
+                    <a:p>
+                      <a:r>
+                        <a:rPr lang="en-US" dirty="0" err="1"/>
+                        <a:t>SMILES_str</a:t>
                       </a:r>
                       <a:endParaRPr lang="en-US" dirty="0"/>
                     </a:p>
@@ -5192,10 +4971,9 @@
                     <a:lstStyle/>
                     <a:p>
                       <a:r>
-                        <a:rPr lang="en-US" dirty="0" smtClean="0"/>
-                        <a:t>Units / description</a:t>
-                      </a:r>
-                      <a:endParaRPr lang="en-US" dirty="0"/>
+                        <a:rPr lang="en-US" dirty="0"/>
+                        <a:t>string</a:t>
+                      </a:r>
                     </a:p>
                   </a:txBody>
                   <a:tcPr/>
@@ -5206,52 +4984,10 @@
                     <a:lstStyle/>
                     <a:p>
                       <a:r>
-                        <a:rPr lang="en-US" dirty="0" smtClean="0"/>
-                        <a:t>Example</a:t>
-                      </a:r>
-                      <a:endParaRPr lang="en-US" dirty="0"/>
-                    </a:p>
-                  </a:txBody>
-                  <a:tcPr/>
-                </a:tc>
-              </a:tr>
-              <a:tr h="370840">
-                <a:tc>
-                  <a:txBody>
-                    <a:bodyPr/>
-                    <a:lstStyle/>
-                    <a:p>
-                      <a:r>
-                        <a:rPr lang="en-US" dirty="0" smtClean="0"/>
-                        <a:t>id</a:t>
-                      </a:r>
-                      <a:endParaRPr lang="en-US" dirty="0"/>
-                    </a:p>
-                  </a:txBody>
-                  <a:tcPr/>
-                </a:tc>
-                <a:tc>
-                  <a:txBody>
-                    <a:bodyPr/>
-                    <a:lstStyle/>
-                    <a:p>
-                      <a:r>
-                        <a:rPr lang="en-US" dirty="0" smtClean="0"/>
-                        <a:t>integer</a:t>
-                      </a:r>
-                      <a:endParaRPr lang="en-US" dirty="0"/>
-                    </a:p>
-                  </a:txBody>
-                  <a:tcPr/>
-                </a:tc>
-                <a:tc>
-                  <a:txBody>
-                    <a:bodyPr/>
-                    <a:lstStyle/>
-                    <a:p>
-                      <a:r>
-                        <a:rPr lang="en-US" dirty="0" smtClean="0"/>
-                        <a:t>CEPD id code</a:t>
+                        <a:rPr lang="en-US" dirty="0">
+                          <a:hlinkClick r:id="rId3"/>
+                        </a:rPr>
+                        <a:t>SMILES</a:t>
                       </a:r>
                       <a:endParaRPr lang="en-US" dirty="0"/>
                     </a:p>
@@ -5281,7 +5017,7 @@
                         <a:defRPr/>
                       </a:pPr>
                       <a:r>
-                        <a:rPr lang="cs-CZ" sz="1800" kern="1200" dirty="0" smtClean="0">
+                        <a:rPr lang="en-US" sz="1800" kern="1200" dirty="0">
                           <a:solidFill>
                             <a:schemeClr val="dk1"/>
                           </a:solidFill>
@@ -5290,12 +5026,17 @@
                           <a:ea typeface="+mn-ea"/>
                           <a:cs typeface="+mn-cs"/>
                         </a:rPr>
-                        <a:t>655365</a:t>
+                        <a:t>C1C=CC=C1c1cc2</a:t>
                       </a:r>
                     </a:p>
                   </a:txBody>
                   <a:tcPr/>
                 </a:tc>
+                <a:extLst>
+                  <a:ext uri="{0D108BD9-81ED-4DB2-BD59-A6C34878D82A}">
+                    <a16:rowId xmlns:a16="http://schemas.microsoft.com/office/drawing/2014/main" val="10002"/>
+                  </a:ext>
+                </a:extLst>
               </a:tr>
               <a:tr h="370840">
                 <a:tc>
@@ -5304,8 +5045,8 @@
                     <a:lstStyle/>
                     <a:p>
                       <a:r>
-                        <a:rPr lang="en-US" dirty="0" err="1" smtClean="0"/>
-                        <a:t>SMILES_str</a:t>
+                        <a:rPr lang="en-US" dirty="0" err="1"/>
+                        <a:t>stoich_str</a:t>
                       </a:r>
                       <a:endParaRPr lang="en-US" dirty="0"/>
                     </a:p>
@@ -5318,8 +5059,163 @@
                     <a:lstStyle/>
                     <a:p>
                       <a:r>
-                        <a:rPr lang="en-US" dirty="0" smtClean="0"/>
+                        <a:rPr lang="en-US" dirty="0"/>
                         <a:t>string</a:t>
+                      </a:r>
+                    </a:p>
+                  </a:txBody>
+                  <a:tcPr/>
+                </a:tc>
+                <a:tc>
+                  <a:txBody>
+                    <a:bodyPr/>
+                    <a:lstStyle/>
+                    <a:p>
+                      <a:r>
+                        <a:rPr lang="en-US" dirty="0"/>
+                        <a:t>stoichiometry</a:t>
+                      </a:r>
+                    </a:p>
+                  </a:txBody>
+                  <a:tcPr/>
+                </a:tc>
+                <a:tc>
+                  <a:txBody>
+                    <a:bodyPr/>
+                    <a:lstStyle/>
+                    <a:p>
+                      <a:pPr marL="0" marR="0" indent="0" algn="l" defTabSz="457200" rtl="0" eaLnBrk="1" fontAlgn="auto" latinLnBrk="0" hangingPunct="1">
+                        <a:lnSpc>
+                          <a:spcPct val="100000"/>
+                        </a:lnSpc>
+                        <a:spcBef>
+                          <a:spcPts val="0"/>
+                        </a:spcBef>
+                        <a:spcAft>
+                          <a:spcPts val="0"/>
+                        </a:spcAft>
+                        <a:buClrTx/>
+                        <a:buSzTx/>
+                        <a:buFontTx/>
+                        <a:buNone/>
+                        <a:tabLst/>
+                        <a:defRPr/>
+                      </a:pPr>
+                      <a:r>
+                        <a:rPr lang="en-US" sz="1800" kern="1200" dirty="0">
+                          <a:solidFill>
+                            <a:schemeClr val="dk1"/>
+                          </a:solidFill>
+                          <a:effectLst/>
+                          <a:latin typeface="+mn-lt"/>
+                          <a:ea typeface="+mn-ea"/>
+                          <a:cs typeface="+mn-cs"/>
+                        </a:rPr>
+                        <a:t>C18H9N3OSSe</a:t>
+                      </a:r>
+                    </a:p>
+                  </a:txBody>
+                  <a:tcPr/>
+                </a:tc>
+                <a:extLst>
+                  <a:ext uri="{0D108BD9-81ED-4DB2-BD59-A6C34878D82A}">
+                    <a16:rowId xmlns:a16="http://schemas.microsoft.com/office/drawing/2014/main" val="10003"/>
+                  </a:ext>
+                </a:extLst>
+              </a:tr>
+              <a:tr h="370840">
+                <a:tc>
+                  <a:txBody>
+                    <a:bodyPr/>
+                    <a:lstStyle/>
+                    <a:p>
+                      <a:r>
+                        <a:rPr lang="en-US" dirty="0"/>
+                        <a:t>mass</a:t>
+                      </a:r>
+                    </a:p>
+                  </a:txBody>
+                  <a:tcPr/>
+                </a:tc>
+                <a:tc>
+                  <a:txBody>
+                    <a:bodyPr/>
+                    <a:lstStyle/>
+                    <a:p>
+                      <a:r>
+                        <a:rPr lang="en-US" dirty="0"/>
+                        <a:t>float</a:t>
+                      </a:r>
+                    </a:p>
+                  </a:txBody>
+                  <a:tcPr/>
+                </a:tc>
+                <a:tc>
+                  <a:txBody>
+                    <a:bodyPr/>
+                    <a:lstStyle/>
+                    <a:p>
+                      <a:r>
+                        <a:rPr lang="en-US" dirty="0"/>
+                        <a:t>AMU</a:t>
+                      </a:r>
+                    </a:p>
+                  </a:txBody>
+                  <a:tcPr/>
+                </a:tc>
+                <a:tc>
+                  <a:txBody>
+                    <a:bodyPr/>
+                    <a:lstStyle/>
+                    <a:p>
+                      <a:pPr marL="0" marR="0" indent="0" algn="l" defTabSz="457200" rtl="0" eaLnBrk="1" fontAlgn="auto" latinLnBrk="0" hangingPunct="1">
+                        <a:lnSpc>
+                          <a:spcPct val="100000"/>
+                        </a:lnSpc>
+                        <a:spcBef>
+                          <a:spcPts val="0"/>
+                        </a:spcBef>
+                        <a:spcAft>
+                          <a:spcPts val="0"/>
+                        </a:spcAft>
+                        <a:buClrTx/>
+                        <a:buSzTx/>
+                        <a:buFontTx/>
+                        <a:buNone/>
+                        <a:tabLst/>
+                        <a:defRPr/>
+                      </a:pPr>
+                      <a:r>
+                        <a:rPr lang="hr-HR" sz="1800" kern="1200" dirty="0">
+                          <a:solidFill>
+                            <a:schemeClr val="dk1"/>
+                          </a:solidFill>
+                          <a:effectLst/>
+                          <a:latin typeface="+mn-lt"/>
+                          <a:ea typeface="+mn-ea"/>
+                          <a:cs typeface="+mn-cs"/>
+                        </a:rPr>
+                        <a:t>394.3151</a:t>
+                      </a:r>
+                    </a:p>
+                  </a:txBody>
+                  <a:tcPr/>
+                </a:tc>
+                <a:extLst>
+                  <a:ext uri="{0D108BD9-81ED-4DB2-BD59-A6C34878D82A}">
+                    <a16:rowId xmlns:a16="http://schemas.microsoft.com/office/drawing/2014/main" val="10004"/>
+                  </a:ext>
+                </a:extLst>
+              </a:tr>
+              <a:tr h="370840">
+                <a:tc>
+                  <a:txBody>
+                    <a:bodyPr/>
+                    <a:lstStyle/>
+                    <a:p>
+                      <a:r>
+                        <a:rPr lang="en-US" dirty="0" err="1"/>
+                        <a:t>pce</a:t>
                       </a:r>
                       <a:endParaRPr lang="en-US" dirty="0"/>
                     </a:p>
@@ -5332,10 +5228,118 @@
                     <a:lstStyle/>
                     <a:p>
                       <a:r>
-                        <a:rPr lang="en-US" dirty="0" smtClean="0">
-                          <a:hlinkClick r:id="rId3"/>
+                        <a:rPr lang="en-US" dirty="0"/>
+                        <a:t>float</a:t>
+                      </a:r>
+                    </a:p>
+                  </a:txBody>
+                  <a:tcPr/>
+                </a:tc>
+                <a:tc>
+                  <a:txBody>
+                    <a:bodyPr/>
+                    <a:lstStyle/>
+                    <a:p>
+                      <a:r>
+                        <a:rPr lang="en-US" dirty="0"/>
+                        <a:t>power conv. </a:t>
+                      </a:r>
+                      <a:r>
+                        <a:rPr lang="en-US" dirty="0" err="1"/>
+                        <a:t>effec</a:t>
+                      </a:r>
+                      <a:r>
+                        <a:rPr lang="en-US" dirty="0"/>
+                        <a:t>.</a:t>
+                      </a:r>
+                    </a:p>
+                  </a:txBody>
+                  <a:tcPr/>
+                </a:tc>
+                <a:tc>
+                  <a:txBody>
+                    <a:bodyPr/>
+                    <a:lstStyle/>
+                    <a:p>
+                      <a:pPr marL="0" marR="0" indent="0" algn="l" defTabSz="457200" rtl="0" eaLnBrk="1" fontAlgn="auto" latinLnBrk="0" hangingPunct="1">
+                        <a:lnSpc>
+                          <a:spcPct val="100000"/>
+                        </a:lnSpc>
+                        <a:spcBef>
+                          <a:spcPts val="0"/>
+                        </a:spcBef>
+                        <a:spcAft>
+                          <a:spcPts val="0"/>
+                        </a:spcAft>
+                        <a:buClrTx/>
+                        <a:buSzTx/>
+                        <a:buFontTx/>
+                        <a:buNone/>
+                        <a:tabLst/>
+                        <a:defRPr/>
+                      </a:pPr>
+                      <a:r>
+                        <a:rPr lang="nb-NO" sz="1800" kern="1200" dirty="0">
+                          <a:solidFill>
+                            <a:schemeClr val="dk1"/>
+                          </a:solidFill>
+                          <a:effectLst/>
+                          <a:latin typeface="+mn-lt"/>
+                          <a:ea typeface="+mn-ea"/>
+                          <a:cs typeface="+mn-cs"/>
                         </a:rPr>
-                        <a:t>SMILES</a:t>
+                        <a:t>5.16195320211971</a:t>
+                      </a:r>
+                    </a:p>
+                  </a:txBody>
+                  <a:tcPr/>
+                </a:tc>
+                <a:extLst>
+                  <a:ext uri="{0D108BD9-81ED-4DB2-BD59-A6C34878D82A}">
+                    <a16:rowId xmlns:a16="http://schemas.microsoft.com/office/drawing/2014/main" val="10005"/>
+                  </a:ext>
+                </a:extLst>
+              </a:tr>
+              <a:tr h="370840">
+                <a:tc>
+                  <a:txBody>
+                    <a:bodyPr/>
+                    <a:lstStyle/>
+                    <a:p>
+                      <a:r>
+                        <a:rPr lang="en-US" dirty="0" err="1"/>
+                        <a:t>voc</a:t>
+                      </a:r>
+                      <a:endParaRPr lang="en-US" dirty="0"/>
+                    </a:p>
+                  </a:txBody>
+                  <a:tcPr/>
+                </a:tc>
+                <a:tc>
+                  <a:txBody>
+                    <a:bodyPr/>
+                    <a:lstStyle/>
+                    <a:p>
+                      <a:r>
+                        <a:rPr lang="en-US" dirty="0"/>
+                        <a:t>float</a:t>
+                      </a:r>
+                    </a:p>
+                  </a:txBody>
+                  <a:tcPr/>
+                </a:tc>
+                <a:tc>
+                  <a:txBody>
+                    <a:bodyPr/>
+                    <a:lstStyle/>
+                    <a:p>
+                      <a:r>
+                        <a:rPr lang="en-US" dirty="0"/>
+                        <a:t>open circ.</a:t>
+                      </a:r>
+                      <a:r>
+                        <a:rPr lang="en-US" baseline="0" dirty="0"/>
+                        <a:t> voltage</a:t>
                       </a:r>
                       <a:endParaRPr lang="en-US" dirty="0"/>
                     </a:p>
@@ -5365,7 +5369,7 @@
                         <a:defRPr/>
                       </a:pPr>
                       <a:r>
-                        <a:rPr lang="en-US" sz="1800" kern="1200" dirty="0" smtClean="0">
+                        <a:rPr lang="is-IS" sz="1800" kern="1200" dirty="0">
                           <a:solidFill>
                             <a:schemeClr val="dk1"/>
                           </a:solidFill>
@@ -5374,12 +5378,17 @@
                           <a:ea typeface="+mn-ea"/>
                           <a:cs typeface="+mn-cs"/>
                         </a:rPr>
-                        <a:t>C1C=CC=C1c1cc2</a:t>
+                        <a:t>0.86760078740294</a:t>
                       </a:r>
                     </a:p>
                   </a:txBody>
                   <a:tcPr/>
                 </a:tc>
+                <a:extLst>
+                  <a:ext uri="{0D108BD9-81ED-4DB2-BD59-A6C34878D82A}">
+                    <a16:rowId xmlns:a16="http://schemas.microsoft.com/office/drawing/2014/main" val="10006"/>
+                  </a:ext>
+                </a:extLst>
               </a:tr>
               <a:tr h="370840">
                 <a:tc>
@@ -5388,8 +5397,8 @@
                     <a:lstStyle/>
                     <a:p>
                       <a:r>
-                        <a:rPr lang="en-US" dirty="0" err="1" smtClean="0"/>
-                        <a:t>stoich_str</a:t>
+                        <a:rPr lang="en-US" dirty="0" err="1"/>
+                        <a:t>jsc</a:t>
                       </a:r>
                       <a:endParaRPr lang="en-US" dirty="0"/>
                     </a:p>
@@ -5402,8 +5411,79 @@
                     <a:lstStyle/>
                     <a:p>
                       <a:r>
-                        <a:rPr lang="en-US" dirty="0" smtClean="0"/>
-                        <a:t>string</a:t>
+                        <a:rPr lang="en-US" dirty="0"/>
+                        <a:t>float</a:t>
+                      </a:r>
+                    </a:p>
+                  </a:txBody>
+                  <a:tcPr/>
+                </a:tc>
+                <a:tc>
+                  <a:txBody>
+                    <a:bodyPr/>
+                    <a:lstStyle/>
+                    <a:p>
+                      <a:r>
+                        <a:rPr lang="en-US" dirty="0"/>
+                        <a:t>short circ. density</a:t>
+                      </a:r>
+                    </a:p>
+                  </a:txBody>
+                  <a:tcPr/>
+                </a:tc>
+                <a:tc>
+                  <a:txBody>
+                    <a:bodyPr/>
+                    <a:lstStyle/>
+                    <a:p>
+                      <a:pPr marL="0" marR="0" indent="0" algn="l" defTabSz="457200" rtl="0" eaLnBrk="1" fontAlgn="auto" latinLnBrk="0" hangingPunct="1">
+                        <a:lnSpc>
+                          <a:spcPct val="100000"/>
+                        </a:lnSpc>
+                        <a:spcBef>
+                          <a:spcPts val="0"/>
+                        </a:spcBef>
+                        <a:spcAft>
+                          <a:spcPts val="0"/>
+                        </a:spcAft>
+                        <a:buClrTx/>
+                        <a:buSzTx/>
+                        <a:buFontTx/>
+                        <a:buNone/>
+                        <a:tabLst/>
+                        <a:defRPr/>
+                      </a:pPr>
+                      <a:r>
+                        <a:rPr lang="nb-NO" sz="1800" kern="1200" dirty="0">
+                          <a:solidFill>
+                            <a:schemeClr val="dk1"/>
+                          </a:solidFill>
+                          <a:effectLst/>
+                          <a:latin typeface="+mn-lt"/>
+                          <a:ea typeface="+mn-ea"/>
+                          <a:cs typeface="+mn-cs"/>
+                        </a:rPr>
+                        <a:t>91.5675749599</a:t>
+                      </a:r>
+                    </a:p>
+                  </a:txBody>
+                  <a:tcPr/>
+                </a:tc>
+                <a:extLst>
+                  <a:ext uri="{0D108BD9-81ED-4DB2-BD59-A6C34878D82A}">
+                    <a16:rowId xmlns:a16="http://schemas.microsoft.com/office/drawing/2014/main" val="10007"/>
+                  </a:ext>
+                </a:extLst>
+              </a:tr>
+              <a:tr h="370840">
+                <a:tc>
+                  <a:txBody>
+                    <a:bodyPr/>
+                    <a:lstStyle/>
+                    <a:p>
+                      <a:r>
+                        <a:rPr lang="en-US" dirty="0" err="1"/>
+                        <a:t>e_homo_alpha</a:t>
                       </a:r>
                       <a:endParaRPr lang="en-US" dirty="0"/>
                     </a:p>
@@ -5416,8 +5496,25 @@
                     <a:lstStyle/>
                     <a:p>
                       <a:r>
-                        <a:rPr lang="en-US" dirty="0" smtClean="0"/>
-                        <a:t>stoichiometry</a:t>
+                        <a:rPr lang="en-US" dirty="0"/>
+                        <a:t>float</a:t>
+                      </a:r>
+                    </a:p>
+                  </a:txBody>
+                  <a:tcPr/>
+                </a:tc>
+                <a:tc>
+                  <a:txBody>
+                    <a:bodyPr/>
+                    <a:lstStyle/>
+                    <a:p>
+                      <a:r>
+                        <a:rPr lang="en-US" dirty="0"/>
+                        <a:t>high occ.</a:t>
+                      </a:r>
+                      <a:r>
+                        <a:rPr lang="en-US" baseline="0" dirty="0"/>
+                        <a:t> mol. orb.</a:t>
                       </a:r>
                       <a:endParaRPr lang="en-US" dirty="0"/>
                     </a:p>
@@ -5447,7 +5544,7 @@
                         <a:defRPr/>
                       </a:pPr>
                       <a:r>
-                        <a:rPr lang="en-US" sz="1800" kern="1200" dirty="0" smtClean="0">
+                        <a:rPr lang="is-IS" sz="1800" kern="1200" dirty="0">
                           <a:solidFill>
                             <a:schemeClr val="dk1"/>
                           </a:solidFill>
@@ -5456,12 +5553,17 @@
                           <a:ea typeface="+mn-ea"/>
                           <a:cs typeface="+mn-cs"/>
                         </a:rPr>
-                        <a:t>C18H9N3OSSe</a:t>
+                        <a:t>-5.46760078740294</a:t>
                       </a:r>
                     </a:p>
                   </a:txBody>
                   <a:tcPr/>
                 </a:tc>
+                <a:extLst>
+                  <a:ext uri="{0D108BD9-81ED-4DB2-BD59-A6C34878D82A}">
+                    <a16:rowId xmlns:a16="http://schemas.microsoft.com/office/drawing/2014/main" val="10008"/>
+                  </a:ext>
+                </a:extLst>
               </a:tr>
               <a:tr h="370840">
                 <a:tc>
@@ -5470,21 +5572,8 @@
                     <a:lstStyle/>
                     <a:p>
                       <a:r>
-                        <a:rPr lang="en-US" dirty="0" smtClean="0"/>
-                        <a:t>mass</a:t>
-                      </a:r>
-                    </a:p>
-                  </a:txBody>
-                  <a:tcPr/>
-                </a:tc>
-                <a:tc>
-                  <a:txBody>
-                    <a:bodyPr/>
-                    <a:lstStyle/>
-                    <a:p>
-                      <a:r>
-                        <a:rPr lang="en-US" dirty="0" smtClean="0"/>
-                        <a:t>float</a:t>
+                        <a:rPr lang="en-US" dirty="0" err="1"/>
+                        <a:t>e_gap_alpha</a:t>
                       </a:r>
                       <a:endParaRPr lang="en-US" dirty="0"/>
                     </a:p>
@@ -5497,8 +5586,127 @@
                     <a:lstStyle/>
                     <a:p>
                       <a:r>
-                        <a:rPr lang="en-US" dirty="0" smtClean="0"/>
-                        <a:t>AMU</a:t>
+                        <a:rPr lang="en-US" dirty="0"/>
+                        <a:t>float</a:t>
+                      </a:r>
+                    </a:p>
+                  </a:txBody>
+                  <a:tcPr/>
+                </a:tc>
+                <a:tc>
+                  <a:txBody>
+                    <a:bodyPr/>
+                    <a:lstStyle/>
+                    <a:p>
+                      <a:r>
+                        <a:rPr lang="en-US" dirty="0"/>
+                        <a:t>LUMO-HOMO</a:t>
+                      </a:r>
+                    </a:p>
+                  </a:txBody>
+                  <a:tcPr/>
+                </a:tc>
+                <a:tc>
+                  <a:txBody>
+                    <a:bodyPr/>
+                    <a:lstStyle/>
+                    <a:p>
+                      <a:pPr marL="0" marR="0" indent="0" algn="l" defTabSz="457200" rtl="0" eaLnBrk="1" fontAlgn="auto" latinLnBrk="0" hangingPunct="1">
+                        <a:lnSpc>
+                          <a:spcPct val="100000"/>
+                        </a:lnSpc>
+                        <a:spcBef>
+                          <a:spcPts val="0"/>
+                        </a:spcBef>
+                        <a:spcAft>
+                          <a:spcPts val="0"/>
+                        </a:spcAft>
+                        <a:buClrTx/>
+                        <a:buSzTx/>
+                        <a:buFontTx/>
+                        <a:buNone/>
+                        <a:tabLst/>
+                        <a:defRPr/>
+                      </a:pPr>
+                      <a:r>
+                        <a:rPr lang="is-IS" sz="1800" kern="1200" dirty="0">
+                          <a:solidFill>
+                            <a:schemeClr val="dk1"/>
+                          </a:solidFill>
+                          <a:effectLst/>
+                          <a:latin typeface="+mn-lt"/>
+                          <a:ea typeface="+mn-ea"/>
+                          <a:cs typeface="+mn-cs"/>
+                        </a:rPr>
+                        <a:t>2.02294443593306</a:t>
+                      </a:r>
+                    </a:p>
+                  </a:txBody>
+                  <a:tcPr/>
+                </a:tc>
+                <a:extLst>
+                  <a:ext uri="{0D108BD9-81ED-4DB2-BD59-A6C34878D82A}">
+                    <a16:rowId xmlns:a16="http://schemas.microsoft.com/office/drawing/2014/main" val="10009"/>
+                  </a:ext>
+                </a:extLst>
+              </a:tr>
+              <a:tr h="370840">
+                <a:tc>
+                  <a:txBody>
+                    <a:bodyPr/>
+                    <a:lstStyle/>
+                    <a:p>
+                      <a:r>
+                        <a:rPr lang="en-US" dirty="0" err="1"/>
+                        <a:t>e_lumo_alpha</a:t>
+                      </a:r>
+                      <a:endParaRPr lang="en-US" dirty="0"/>
+                    </a:p>
+                  </a:txBody>
+                  <a:tcPr/>
+                </a:tc>
+                <a:tc>
+                  <a:txBody>
+                    <a:bodyPr/>
+                    <a:lstStyle/>
+                    <a:p>
+                      <a:r>
+                        <a:rPr lang="en-US" dirty="0"/>
+                        <a:t>float</a:t>
+                      </a:r>
+                    </a:p>
+                  </a:txBody>
+                  <a:tcPr/>
+                </a:tc>
+                <a:tc>
+                  <a:txBody>
+                    <a:bodyPr/>
+                    <a:lstStyle/>
+                    <a:p>
+                      <a:pPr marL="0" marR="0" indent="0" algn="l" defTabSz="457200" rtl="0" eaLnBrk="1" fontAlgn="auto" latinLnBrk="0" hangingPunct="1">
+                        <a:lnSpc>
+                          <a:spcPct val="100000"/>
+                        </a:lnSpc>
+                        <a:spcBef>
+                          <a:spcPts val="0"/>
+                        </a:spcBef>
+                        <a:spcAft>
+                          <a:spcPts val="0"/>
+                        </a:spcAft>
+                        <a:buClrTx/>
+                        <a:buSzTx/>
+                        <a:buFontTx/>
+                        <a:buNone/>
+                        <a:tabLst/>
+                        <a:defRPr/>
+                      </a:pPr>
+                      <a:r>
+                        <a:rPr lang="en-US" dirty="0"/>
+                        <a:t>low occ. mol.</a:t>
+                      </a:r>
+                      <a:r>
+                        <a:rPr lang="en-US" baseline="0" dirty="0"/>
+                        <a:t> orb.</a:t>
                       </a:r>
                       <a:endParaRPr lang="en-US" dirty="0"/>
                     </a:p>
@@ -5528,7 +5736,7 @@
                         <a:defRPr/>
                       </a:pPr>
                       <a:r>
-                        <a:rPr lang="hr-HR" sz="1800" kern="1200" dirty="0" smtClean="0">
+                        <a:rPr lang="mr-IN" sz="1600" kern="1200" dirty="0">
                           <a:solidFill>
                             <a:schemeClr val="dk1"/>
                           </a:solidFill>
@@ -5537,12 +5745,17 @@
                           <a:ea typeface="+mn-ea"/>
                           <a:cs typeface="+mn-cs"/>
                         </a:rPr>
-                        <a:t>394.3151</a:t>
+                        <a:t>-3.444656351469</a:t>
                       </a:r>
                     </a:p>
                   </a:txBody>
                   <a:tcPr/>
                 </a:tc>
+                <a:extLst>
+                  <a:ext uri="{0D108BD9-81ED-4DB2-BD59-A6C34878D82A}">
+                    <a16:rowId xmlns:a16="http://schemas.microsoft.com/office/drawing/2014/main" val="10010"/>
+                  </a:ext>
+                </a:extLst>
               </a:tr>
               <a:tr h="370840">
                 <a:tc>
@@ -5551,8 +5764,8 @@
                     <a:lstStyle/>
                     <a:p>
                       <a:r>
-                        <a:rPr lang="en-US" dirty="0" err="1" smtClean="0"/>
-                        <a:t>pce</a:t>
+                        <a:rPr lang="en-US" dirty="0" err="1"/>
+                        <a:t>tmp_smiles_str</a:t>
                       </a:r>
                       <a:endParaRPr lang="en-US" dirty="0"/>
                     </a:p>
@@ -5565,10 +5778,9 @@
                     <a:lstStyle/>
                     <a:p>
                       <a:r>
-                        <a:rPr lang="en-US" dirty="0" smtClean="0"/>
-                        <a:t>float</a:t>
-                      </a:r>
-                      <a:endParaRPr lang="en-US" dirty="0"/>
+                        <a:rPr lang="en-US" dirty="0"/>
+                        <a:t>string</a:t>
+                      </a:r>
                     </a:p>
                   </a:txBody>
                   <a:tcPr/>
@@ -5579,18 +5791,9 @@
                     <a:lstStyle/>
                     <a:p>
                       <a:r>
-                        <a:rPr lang="en-US" dirty="0" smtClean="0"/>
-                        <a:t>power conv. </a:t>
-                      </a:r>
-                      <a:r>
-                        <a:rPr lang="en-US" dirty="0" err="1" smtClean="0"/>
-                        <a:t>effec</a:t>
-                      </a:r>
-                      <a:r>
-                        <a:rPr lang="en-US" dirty="0" smtClean="0"/>
-                        <a:t>.</a:t>
-                      </a:r>
-                      <a:endParaRPr lang="en-US" dirty="0"/>
+                        <a:rPr lang="en-US" dirty="0"/>
+                        <a:t>SMILES</a:t>
+                      </a:r>
                     </a:p>
                   </a:txBody>
                   <a:tcPr/>
@@ -5600,529 +5803,8 @@
                     <a:bodyPr/>
                     <a:lstStyle/>
                     <a:p>
-                      <a:pPr marL="0" marR="0" indent="0" algn="l" defTabSz="457200" rtl="0" eaLnBrk="1" fontAlgn="auto" latinLnBrk="0" hangingPunct="1">
-                        <a:lnSpc>
-                          <a:spcPct val="100000"/>
-                        </a:lnSpc>
-                        <a:spcBef>
-                          <a:spcPts val="0"/>
-                        </a:spcBef>
-                        <a:spcAft>
-                          <a:spcPts val="0"/>
-                        </a:spcAft>
-                        <a:buClrTx/>
-                        <a:buSzTx/>
-                        <a:buFontTx/>
-                        <a:buNone/>
-                        <a:tabLst/>
-                        <a:defRPr/>
-                      </a:pPr>
-                      <a:r>
-                        <a:rPr lang="nb-NO" sz="1800" kern="1200" dirty="0" smtClean="0">
-                          <a:solidFill>
-                            <a:schemeClr val="dk1"/>
-                          </a:solidFill>
-                          <a:effectLst/>
-                          <a:latin typeface="+mn-lt"/>
-                          <a:ea typeface="+mn-ea"/>
-                          <a:cs typeface="+mn-cs"/>
-                        </a:rPr>
-                        <a:t>5.16195320211971</a:t>
-                      </a:r>
-                    </a:p>
-                  </a:txBody>
-                  <a:tcPr/>
-                </a:tc>
-              </a:tr>
-              <a:tr h="370840">
-                <a:tc>
-                  <a:txBody>
-                    <a:bodyPr/>
-                    <a:lstStyle/>
-                    <a:p>
-                      <a:r>
-                        <a:rPr lang="en-US" dirty="0" err="1" smtClean="0"/>
-                        <a:t>voc</a:t>
-                      </a:r>
-                      <a:endParaRPr lang="en-US" dirty="0"/>
-                    </a:p>
-                  </a:txBody>
-                  <a:tcPr/>
-                </a:tc>
-                <a:tc>
-                  <a:txBody>
-                    <a:bodyPr/>
-                    <a:lstStyle/>
-                    <a:p>
-                      <a:r>
-                        <a:rPr lang="en-US" dirty="0" smtClean="0"/>
-                        <a:t>float</a:t>
-                      </a:r>
-                      <a:endParaRPr lang="en-US" dirty="0"/>
-                    </a:p>
-                  </a:txBody>
-                  <a:tcPr/>
-                </a:tc>
-                <a:tc>
-                  <a:txBody>
-                    <a:bodyPr/>
-                    <a:lstStyle/>
-                    <a:p>
-                      <a:r>
-                        <a:rPr lang="en-US" dirty="0" smtClean="0"/>
-                        <a:t>open circ.</a:t>
-                      </a:r>
-                      <a:r>
-                        <a:rPr lang="en-US" baseline="0" dirty="0" smtClean="0"/>
-                        <a:t> voltage</a:t>
-                      </a:r>
-                      <a:endParaRPr lang="en-US" dirty="0"/>
-                    </a:p>
-                  </a:txBody>
-                  <a:tcPr/>
-                </a:tc>
-                <a:tc>
-                  <a:txBody>
-                    <a:bodyPr/>
-                    <a:lstStyle/>
-                    <a:p>
-                      <a:pPr marL="0" marR="0" indent="0" algn="l" defTabSz="457200" rtl="0" eaLnBrk="1" fontAlgn="auto" latinLnBrk="0" hangingPunct="1">
-                        <a:lnSpc>
-                          <a:spcPct val="100000"/>
-                        </a:lnSpc>
-                        <a:spcBef>
-                          <a:spcPts val="0"/>
-                        </a:spcBef>
-                        <a:spcAft>
-                          <a:spcPts val="0"/>
-                        </a:spcAft>
-                        <a:buClrTx/>
-                        <a:buSzTx/>
-                        <a:buFontTx/>
-                        <a:buNone/>
-                        <a:tabLst/>
-                        <a:defRPr/>
-                      </a:pPr>
-                      <a:r>
-                        <a:rPr lang="is-IS" sz="1800" kern="1200" dirty="0" smtClean="0">
-                          <a:solidFill>
-                            <a:schemeClr val="dk1"/>
-                          </a:solidFill>
-                          <a:effectLst/>
-                          <a:latin typeface="+mn-lt"/>
-                          <a:ea typeface="+mn-ea"/>
-                          <a:cs typeface="+mn-cs"/>
-                        </a:rPr>
-                        <a:t>0.86760078740294</a:t>
-                      </a:r>
-                    </a:p>
-                  </a:txBody>
-                  <a:tcPr/>
-                </a:tc>
-              </a:tr>
-              <a:tr h="370840">
-                <a:tc>
-                  <a:txBody>
-                    <a:bodyPr/>
-                    <a:lstStyle/>
-                    <a:p>
-                      <a:r>
-                        <a:rPr lang="en-US" dirty="0" err="1" smtClean="0"/>
-                        <a:t>jsc</a:t>
-                      </a:r>
-                      <a:endParaRPr lang="en-US" dirty="0"/>
-                    </a:p>
-                  </a:txBody>
-                  <a:tcPr/>
-                </a:tc>
-                <a:tc>
-                  <a:txBody>
-                    <a:bodyPr/>
-                    <a:lstStyle/>
-                    <a:p>
-                      <a:r>
-                        <a:rPr lang="en-US" dirty="0" smtClean="0"/>
-                        <a:t>float</a:t>
-                      </a:r>
-                      <a:endParaRPr lang="en-US" dirty="0"/>
-                    </a:p>
-                  </a:txBody>
-                  <a:tcPr/>
-                </a:tc>
-                <a:tc>
-                  <a:txBody>
-                    <a:bodyPr/>
-                    <a:lstStyle/>
-                    <a:p>
-                      <a:r>
-                        <a:rPr lang="en-US" dirty="0" smtClean="0"/>
-                        <a:t>short circ. density</a:t>
-                      </a:r>
-                      <a:endParaRPr lang="en-US" dirty="0"/>
-                    </a:p>
-                  </a:txBody>
-                  <a:tcPr/>
-                </a:tc>
-                <a:tc>
-                  <a:txBody>
-                    <a:bodyPr/>
-                    <a:lstStyle/>
-                    <a:p>
-                      <a:pPr marL="0" marR="0" indent="0" algn="l" defTabSz="457200" rtl="0" eaLnBrk="1" fontAlgn="auto" latinLnBrk="0" hangingPunct="1">
-                        <a:lnSpc>
-                          <a:spcPct val="100000"/>
-                        </a:lnSpc>
-                        <a:spcBef>
-                          <a:spcPts val="0"/>
-                        </a:spcBef>
-                        <a:spcAft>
-                          <a:spcPts val="0"/>
-                        </a:spcAft>
-                        <a:buClrTx/>
-                        <a:buSzTx/>
-                        <a:buFontTx/>
-                        <a:buNone/>
-                        <a:tabLst/>
-                        <a:defRPr/>
-                      </a:pPr>
-                      <a:r>
-                        <a:rPr lang="nb-NO" sz="1800" kern="1200" dirty="0" smtClean="0">
-                          <a:solidFill>
-                            <a:schemeClr val="dk1"/>
-                          </a:solidFill>
-                          <a:effectLst/>
-                          <a:latin typeface="+mn-lt"/>
-                          <a:ea typeface="+mn-ea"/>
-                          <a:cs typeface="+mn-cs"/>
-                        </a:rPr>
-                        <a:t>91.5675749599</a:t>
-                      </a:r>
-                    </a:p>
-                  </a:txBody>
-                  <a:tcPr/>
-                </a:tc>
-              </a:tr>
-              <a:tr h="370840">
-                <a:tc>
-                  <a:txBody>
-                    <a:bodyPr/>
-                    <a:lstStyle/>
-                    <a:p>
-                      <a:r>
-                        <a:rPr lang="en-US" dirty="0" err="1" smtClean="0"/>
-                        <a:t>e_homo_alpha</a:t>
-                      </a:r>
-                      <a:endParaRPr lang="en-US" dirty="0"/>
-                    </a:p>
-                  </a:txBody>
-                  <a:tcPr/>
-                </a:tc>
-                <a:tc>
-                  <a:txBody>
-                    <a:bodyPr/>
-                    <a:lstStyle/>
-                    <a:p>
-                      <a:r>
-                        <a:rPr lang="en-US" dirty="0" smtClean="0"/>
-                        <a:t>float</a:t>
-                      </a:r>
-                      <a:endParaRPr lang="en-US" dirty="0"/>
-                    </a:p>
-                  </a:txBody>
-                  <a:tcPr/>
-                </a:tc>
-                <a:tc>
-                  <a:txBody>
-                    <a:bodyPr/>
-                    <a:lstStyle/>
-                    <a:p>
-                      <a:r>
-                        <a:rPr lang="en-US" dirty="0" smtClean="0"/>
-                        <a:t>high occ.</a:t>
-                      </a:r>
-                      <a:r>
-                        <a:rPr lang="en-US" baseline="0" dirty="0" smtClean="0"/>
-                        <a:t> mol. orb.</a:t>
-                      </a:r>
-                      <a:endParaRPr lang="en-US" dirty="0"/>
-                    </a:p>
-                  </a:txBody>
-                  <a:tcPr/>
-                </a:tc>
-                <a:tc>
-                  <a:txBody>
-                    <a:bodyPr/>
-                    <a:lstStyle/>
-                    <a:p>
-                      <a:pPr marL="0" marR="0" indent="0" algn="l" defTabSz="457200" rtl="0" eaLnBrk="1" fontAlgn="auto" latinLnBrk="0" hangingPunct="1">
-                        <a:lnSpc>
-                          <a:spcPct val="100000"/>
-                        </a:lnSpc>
-                        <a:spcBef>
-                          <a:spcPts val="0"/>
-                        </a:spcBef>
-                        <a:spcAft>
-                          <a:spcPts val="0"/>
-                        </a:spcAft>
-                        <a:buClrTx/>
-                        <a:buSzTx/>
-                        <a:buFontTx/>
-                        <a:buNone/>
-                        <a:tabLst/>
-                        <a:defRPr/>
-                      </a:pPr>
-                      <a:r>
-                        <a:rPr lang="is-IS" sz="1800" kern="1200" dirty="0" smtClean="0">
-                          <a:solidFill>
-                            <a:schemeClr val="dk1"/>
-                          </a:solidFill>
-                          <a:effectLst/>
-                          <a:latin typeface="+mn-lt"/>
-                          <a:ea typeface="+mn-ea"/>
-                          <a:cs typeface="+mn-cs"/>
-                        </a:rPr>
-                        <a:t>-5.46760078740294</a:t>
-                      </a:r>
-                    </a:p>
-                  </a:txBody>
-                  <a:tcPr/>
-                </a:tc>
-              </a:tr>
-              <a:tr h="370840">
-                <a:tc>
-                  <a:txBody>
-                    <a:bodyPr/>
-                    <a:lstStyle/>
-                    <a:p>
-                      <a:r>
-                        <a:rPr lang="en-US" dirty="0" err="1" smtClean="0"/>
-                        <a:t>e_gap_alpha</a:t>
-                      </a:r>
-                      <a:endParaRPr lang="en-US" dirty="0"/>
-                    </a:p>
-                  </a:txBody>
-                  <a:tcPr/>
-                </a:tc>
-                <a:tc>
-                  <a:txBody>
-                    <a:bodyPr/>
-                    <a:lstStyle/>
-                    <a:p>
-                      <a:r>
-                        <a:rPr lang="en-US" dirty="0" smtClean="0"/>
-                        <a:t>float</a:t>
-                      </a:r>
-                      <a:endParaRPr lang="en-US" dirty="0"/>
-                    </a:p>
-                  </a:txBody>
-                  <a:tcPr/>
-                </a:tc>
-                <a:tc>
-                  <a:txBody>
-                    <a:bodyPr/>
-                    <a:lstStyle/>
-                    <a:p>
-                      <a:r>
-                        <a:rPr lang="en-US" dirty="0" smtClean="0"/>
-                        <a:t>LUMO-HOMO</a:t>
-                      </a:r>
-                      <a:endParaRPr lang="en-US" dirty="0"/>
-                    </a:p>
-                  </a:txBody>
-                  <a:tcPr/>
-                </a:tc>
-                <a:tc>
-                  <a:txBody>
-                    <a:bodyPr/>
-                    <a:lstStyle/>
-                    <a:p>
-                      <a:pPr marL="0" marR="0" indent="0" algn="l" defTabSz="457200" rtl="0" eaLnBrk="1" fontAlgn="auto" latinLnBrk="0" hangingPunct="1">
-                        <a:lnSpc>
-                          <a:spcPct val="100000"/>
-                        </a:lnSpc>
-                        <a:spcBef>
-                          <a:spcPts val="0"/>
-                        </a:spcBef>
-                        <a:spcAft>
-                          <a:spcPts val="0"/>
-                        </a:spcAft>
-                        <a:buClrTx/>
-                        <a:buSzTx/>
-                        <a:buFontTx/>
-                        <a:buNone/>
-                        <a:tabLst/>
-                        <a:defRPr/>
-                      </a:pPr>
-                      <a:r>
-                        <a:rPr lang="is-IS" sz="1800" kern="1200" dirty="0" smtClean="0">
-                          <a:solidFill>
-                            <a:schemeClr val="dk1"/>
-                          </a:solidFill>
-                          <a:effectLst/>
-                          <a:latin typeface="+mn-lt"/>
-                          <a:ea typeface="+mn-ea"/>
-                          <a:cs typeface="+mn-cs"/>
-                        </a:rPr>
-                        <a:t>2.02294443593306</a:t>
-                      </a:r>
-                    </a:p>
-                  </a:txBody>
-                  <a:tcPr/>
-                </a:tc>
-              </a:tr>
-              <a:tr h="370840">
-                <a:tc>
-                  <a:txBody>
-                    <a:bodyPr/>
-                    <a:lstStyle/>
-                    <a:p>
-                      <a:r>
-                        <a:rPr lang="en-US" dirty="0" err="1" smtClean="0"/>
-                        <a:t>e_lumo_alpha</a:t>
-                      </a:r>
-                      <a:endParaRPr lang="en-US" dirty="0"/>
-                    </a:p>
-                  </a:txBody>
-                  <a:tcPr/>
-                </a:tc>
-                <a:tc>
-                  <a:txBody>
-                    <a:bodyPr/>
-                    <a:lstStyle/>
-                    <a:p>
-                      <a:r>
-                        <a:rPr lang="en-US" dirty="0" smtClean="0"/>
-                        <a:t>float</a:t>
-                      </a:r>
-                      <a:endParaRPr lang="en-US" dirty="0"/>
-                    </a:p>
-                  </a:txBody>
-                  <a:tcPr/>
-                </a:tc>
-                <a:tc>
-                  <a:txBody>
-                    <a:bodyPr/>
-                    <a:lstStyle/>
-                    <a:p>
-                      <a:pPr marL="0" marR="0" indent="0" algn="l" defTabSz="457200" rtl="0" eaLnBrk="1" fontAlgn="auto" latinLnBrk="0" hangingPunct="1">
-                        <a:lnSpc>
-                          <a:spcPct val="100000"/>
-                        </a:lnSpc>
-                        <a:spcBef>
-                          <a:spcPts val="0"/>
-                        </a:spcBef>
-                        <a:spcAft>
-                          <a:spcPts val="0"/>
-                        </a:spcAft>
-                        <a:buClrTx/>
-                        <a:buSzTx/>
-                        <a:buFontTx/>
-                        <a:buNone/>
-                        <a:tabLst/>
-                        <a:defRPr/>
-                      </a:pPr>
-                      <a:r>
-                        <a:rPr lang="en-US" dirty="0" smtClean="0"/>
-                        <a:t>low occ. mol.</a:t>
-                      </a:r>
-                      <a:r>
-                        <a:rPr lang="en-US" baseline="0" dirty="0" smtClean="0"/>
-                        <a:t> orb.</a:t>
-                      </a:r>
-                      <a:endParaRPr lang="en-US" dirty="0" smtClean="0"/>
-                    </a:p>
-                  </a:txBody>
-                  <a:tcPr/>
-                </a:tc>
-                <a:tc>
-                  <a:txBody>
-                    <a:bodyPr/>
-                    <a:lstStyle/>
-                    <a:p>
-                      <a:pPr marL="0" marR="0" indent="0" algn="l" defTabSz="457200" rtl="0" eaLnBrk="1" fontAlgn="auto" latinLnBrk="0" hangingPunct="1">
-                        <a:lnSpc>
-                          <a:spcPct val="100000"/>
-                        </a:lnSpc>
-                        <a:spcBef>
-                          <a:spcPts val="0"/>
-                        </a:spcBef>
-                        <a:spcAft>
-                          <a:spcPts val="0"/>
-                        </a:spcAft>
-                        <a:buClrTx/>
-                        <a:buSzTx/>
-                        <a:buFontTx/>
-                        <a:buNone/>
-                        <a:tabLst/>
-                        <a:defRPr/>
-                      </a:pPr>
-                      <a:r>
-                        <a:rPr lang="mr-IN" sz="1600" kern="1200" dirty="0" smtClean="0">
-                          <a:solidFill>
-                            <a:schemeClr val="dk1"/>
-                          </a:solidFill>
-                          <a:effectLst/>
-                          <a:latin typeface="+mn-lt"/>
-                          <a:ea typeface="+mn-ea"/>
-                          <a:cs typeface="+mn-cs"/>
-                        </a:rPr>
-                        <a:t>-3.444656351469</a:t>
-                      </a:r>
-                    </a:p>
-                  </a:txBody>
-                  <a:tcPr/>
-                </a:tc>
-              </a:tr>
-              <a:tr h="370840">
-                <a:tc>
-                  <a:txBody>
-                    <a:bodyPr/>
-                    <a:lstStyle/>
-                    <a:p>
-                      <a:r>
-                        <a:rPr lang="en-US" dirty="0" err="1" smtClean="0"/>
-                        <a:t>tmp_smiles_str</a:t>
-                      </a:r>
-                      <a:endParaRPr lang="en-US" dirty="0"/>
-                    </a:p>
-                  </a:txBody>
-                  <a:tcPr/>
-                </a:tc>
-                <a:tc>
-                  <a:txBody>
-                    <a:bodyPr/>
-                    <a:lstStyle/>
-                    <a:p>
-                      <a:r>
-                        <a:rPr lang="en-US" dirty="0" smtClean="0"/>
-                        <a:t>string</a:t>
-                      </a:r>
-                      <a:endParaRPr lang="en-US" dirty="0"/>
-                    </a:p>
-                  </a:txBody>
-                  <a:tcPr/>
-                </a:tc>
-                <a:tc>
-                  <a:txBody>
-                    <a:bodyPr/>
-                    <a:lstStyle/>
-                    <a:p>
-                      <a:r>
-                        <a:rPr lang="en-US" dirty="0" smtClean="0"/>
-                        <a:t>SMILES</a:t>
-                      </a:r>
-                      <a:endParaRPr lang="en-US" dirty="0"/>
-                    </a:p>
-                  </a:txBody>
-                  <a:tcPr/>
-                </a:tc>
-                <a:tc>
-                  <a:txBody>
-                    <a:bodyPr/>
-                    <a:lstStyle/>
-                    <a:p>
-                      <a:r>
-                        <a:rPr lang="en-US" sz="1800" kern="1200" dirty="0" smtClean="0">
+                      <a:r>
+                        <a:rPr lang="en-US" sz="1800" kern="1200" dirty="0">
                           <a:solidFill>
                             <a:schemeClr val="dk1"/>
                           </a:solidFill>
@@ -6138,6 +5820,11 @@
                   </a:txBody>
                   <a:tcPr/>
                 </a:tc>
+                <a:extLst>
+                  <a:ext uri="{0D108BD9-81ED-4DB2-BD59-A6C34878D82A}">
+                    <a16:rowId xmlns:a16="http://schemas.microsoft.com/office/drawing/2014/main" val="10011"/>
+                  </a:ext>
+                </a:extLst>
               </a:tr>
             </a:tbl>
           </a:graphicData>
@@ -6173,15 +5860,9 @@
               <a:rPr lang="en-US" dirty="0">
                 <a:hlinkClick r:id="rId4"/>
               </a:rPr>
-              <a:t>http://</a:t>
-            </a:r>
-            <a:r>
-              <a:rPr lang="en-US" dirty="0" smtClean="0">
-                <a:hlinkClick r:id="rId4"/>
-              </a:rPr>
-              <a:t>faculty.washington.edu/dacb/HCEPDB_moldata.zip</a:t>
-            </a:r>
-            <a:endParaRPr lang="en-US" dirty="0" smtClean="0"/>
+              <a:t>http://faculty.washington.edu/dacb/HCEPDB_moldata.zip</a:t>
+            </a:r>
+            <a:endParaRPr lang="en-US" dirty="0"/>
           </a:p>
         </p:txBody>
       </p:sp>
@@ -6210,7 +5891,7 @@
           <a:lstStyle/>
           <a:p>
             <a:r>
-              <a:rPr lang="en-US" sz="3600" b="1" dirty="0" smtClean="0">
+              <a:rPr lang="en-US" sz="3600" b="1" dirty="0">
                 <a:solidFill>
                   <a:srgbClr val="FF0000"/>
                 </a:solidFill>
@@ -6219,7 +5900,7 @@
             </a:r>
           </a:p>
           <a:p>
-            <a:endParaRPr lang="en-US" sz="3600" b="1" dirty="0" smtClean="0">
+            <a:endParaRPr lang="en-US" sz="3600" b="1" dirty="0">
               <a:solidFill>
                 <a:srgbClr val="FF0000"/>
               </a:solidFill>
@@ -6227,7 +5908,7 @@
           </a:p>
           <a:p>
             <a:r>
-              <a:rPr lang="en-US" sz="3600" b="1" dirty="0" smtClean="0">
+              <a:rPr lang="en-US" sz="3600" b="1" dirty="0">
                 <a:solidFill>
                   <a:srgbClr val="FF0000"/>
                 </a:solidFill>
@@ -6238,18 +5919,13 @@
           <a:p>
             <a:pPr algn="ctr"/>
             <a:r>
-              <a:rPr lang="en-US" sz="3600" b="1" dirty="0" smtClean="0">
+              <a:rPr lang="en-US" sz="3600" b="1" dirty="0">
                 <a:solidFill>
                   <a:srgbClr val="FF0000"/>
                 </a:solidFill>
               </a:rPr>
               <a:t>HARVARD CLEAN ENERGY POJECT</a:t>
             </a:r>
-            <a:endParaRPr lang="en-US" sz="3600" b="1" dirty="0">
-              <a:solidFill>
-                <a:srgbClr val="FF0000"/>
-              </a:solidFill>
-            </a:endParaRPr>
           </a:p>
         </p:txBody>
       </p:sp>
@@ -6344,7 +6020,7 @@
 </p:sld>
 </file>
 
-<file path=ppt/slides/slide12.xml><?xml version="1.0" encoding="utf-8"?>
+<file path=ppt/slides/slide11.xml><?xml version="1.0" encoding="utf-8"?>
 <p:sld xmlns:a="http://schemas.openxmlformats.org/drawingml/2006/main" xmlns:r="http://schemas.openxmlformats.org/officeDocument/2006/relationships" xmlns:p="http://schemas.openxmlformats.org/presentationml/2006/main">
   <p:cSld>
     <p:spTree>
@@ -6379,10 +6055,9 @@
           <a:lstStyle/>
           <a:p>
             <a:r>
-              <a:rPr lang="en-US" dirty="0" smtClean="0"/>
+              <a:rPr lang="en-US" dirty="0"/>
               <a:t>Data schema</a:t>
             </a:r>
-            <a:endParaRPr lang="en-US" dirty="0"/>
           </a:p>
         </p:txBody>
       </p:sp>
@@ -6404,28 +6079,28 @@
           <a:lstStyle/>
           <a:p>
             <a:r>
-              <a:rPr lang="en-US" dirty="0" smtClean="0"/>
+              <a:rPr lang="en-US" dirty="0"/>
               <a:t>“metadata” or schema</a:t>
             </a:r>
           </a:p>
           <a:p>
             <a:pPr lvl="1"/>
             <a:r>
-              <a:rPr lang="en-US" dirty="0" smtClean="0"/>
+              <a:rPr lang="en-US" dirty="0"/>
               <a:t>Data types</a:t>
             </a:r>
           </a:p>
           <a:p>
             <a:pPr lvl="1"/>
             <a:r>
-              <a:rPr lang="en-US" dirty="0" smtClean="0"/>
+              <a:rPr lang="en-US" dirty="0"/>
               <a:t>Units</a:t>
             </a:r>
           </a:p>
           <a:p>
             <a:pPr lvl="1"/>
             <a:r>
-              <a:rPr lang="en-US" dirty="0" smtClean="0"/>
+              <a:rPr lang="en-US" dirty="0"/>
               <a:t>“keys” (unique identifiers for molecules)</a:t>
             </a:r>
           </a:p>
@@ -6465,13 +6140,120 @@
   <p:clrMapOvr>
     <a:masterClrMapping/>
   </p:clrMapOvr>
-  <p:timing>
-    <p:tnLst>
-      <p:par>
-        <p:cTn id="1" dur="indefinite" restart="never" nodeType="tmRoot"/>
-      </p:par>
-    </p:tnLst>
-  </p:timing>
+</p:sld>
+</file>
+
+<file path=ppt/slides/slide12.xml><?xml version="1.0" encoding="utf-8"?>
+<p:sld xmlns:a="http://schemas.openxmlformats.org/drawingml/2006/main" xmlns:r="http://schemas.openxmlformats.org/officeDocument/2006/relationships" xmlns:p="http://schemas.openxmlformats.org/presentationml/2006/main">
+  <p:cSld>
+    <p:spTree>
+      <p:nvGrpSpPr>
+        <p:cNvPr id="1" name=""/>
+        <p:cNvGrpSpPr/>
+        <p:nvPr/>
+      </p:nvGrpSpPr>
+      <p:grpSpPr>
+        <a:xfrm>
+          <a:off x="0" y="0"/>
+          <a:ext cx="0" cy="0"/>
+          <a:chOff x="0" y="0"/>
+          <a:chExt cx="0" cy="0"/>
+        </a:xfrm>
+      </p:grpSpPr>
+      <p:sp>
+        <p:nvSpPr>
+          <p:cNvPr id="2" name="Title 1"/>
+          <p:cNvSpPr>
+            <a:spLocks noGrp="1"/>
+          </p:cNvSpPr>
+          <p:nvPr>
+            <p:ph type="title"/>
+          </p:nvPr>
+        </p:nvSpPr>
+        <p:spPr/>
+        <p:txBody>
+          <a:bodyPr/>
+          <a:lstStyle/>
+          <a:p>
+            <a:r>
+              <a:rPr lang="en-US" dirty="0"/>
+              <a:t>Demo</a:t>
+            </a:r>
+          </a:p>
+        </p:txBody>
+      </p:sp>
+      <p:sp>
+        <p:nvSpPr>
+          <p:cNvPr id="3" name="Content Placeholder 2"/>
+          <p:cNvSpPr>
+            <a:spLocks noGrp="1"/>
+          </p:cNvSpPr>
+          <p:nvPr>
+            <p:ph idx="1"/>
+          </p:nvPr>
+        </p:nvSpPr>
+        <p:spPr/>
+        <p:txBody>
+          <a:bodyPr/>
+          <a:lstStyle/>
+          <a:p>
+            <a:r>
+              <a:rPr lang="en-US" dirty="0"/>
+              <a:t>Navigate to a location</a:t>
+            </a:r>
+          </a:p>
+          <a:p>
+            <a:r>
+              <a:rPr lang="en-US" dirty="0"/>
+              <a:t>Create a project directory</a:t>
+            </a:r>
+          </a:p>
+          <a:p>
+            <a:pPr lvl="1"/>
+            <a:r>
+              <a:rPr lang="en-US" dirty="0"/>
+              <a:t>Create a README</a:t>
+            </a:r>
+          </a:p>
+          <a:p>
+            <a:pPr lvl="1"/>
+            <a:r>
+              <a:rPr lang="en-US" dirty="0"/>
+              <a:t>Download the HCEP data</a:t>
+            </a:r>
+          </a:p>
+          <a:p>
+            <a:pPr lvl="1"/>
+            <a:r>
+              <a:rPr lang="en-US" dirty="0"/>
+              <a:t>Unpack the data</a:t>
+            </a:r>
+          </a:p>
+          <a:p>
+            <a:pPr lvl="1"/>
+            <a:r>
+              <a:rPr lang="en-US" dirty="0"/>
+              <a:t>Look at the data</a:t>
+            </a:r>
+          </a:p>
+          <a:p>
+            <a:r>
+              <a:rPr lang="en-US" dirty="0"/>
+              <a:t>Automate the workflow</a:t>
+            </a:r>
+          </a:p>
+        </p:txBody>
+      </p:sp>
+    </p:spTree>
+    <p:extLst>
+      <p:ext uri="{BB962C8B-B14F-4D97-AF65-F5344CB8AC3E}">
+        <p14:creationId xmlns:p14="http://schemas.microsoft.com/office/powerpoint/2010/main" val="1456375639"/>
+      </p:ext>
+    </p:extLst>
+  </p:cSld>
+  <p:clrMapOvr>
+    <a:masterClrMapping/>
+  </p:clrMapOvr>
 </p:sld>
 </file>
 
@@ -6508,132 +6290,9 @@
           <a:lstStyle/>
           <a:p>
             <a:r>
-              <a:rPr lang="en-US" dirty="0" smtClean="0"/>
-              <a:t>Demo</a:t>
-            </a:r>
-            <a:endParaRPr lang="en-US" dirty="0"/>
-          </a:p>
-        </p:txBody>
-      </p:sp>
-      <p:sp>
-        <p:nvSpPr>
-          <p:cNvPr id="3" name="Content Placeholder 2"/>
-          <p:cNvSpPr>
-            <a:spLocks noGrp="1"/>
-          </p:cNvSpPr>
-          <p:nvPr>
-            <p:ph idx="1"/>
-          </p:nvPr>
-        </p:nvSpPr>
-        <p:spPr/>
-        <p:txBody>
-          <a:bodyPr/>
-          <a:lstStyle/>
-          <a:p>
-            <a:r>
-              <a:rPr lang="en-US" dirty="0" smtClean="0"/>
-              <a:t>Navigate to a location</a:t>
-            </a:r>
-          </a:p>
-          <a:p>
-            <a:r>
-              <a:rPr lang="en-US" dirty="0" smtClean="0"/>
-              <a:t>Create a project directory</a:t>
-            </a:r>
-          </a:p>
-          <a:p>
-            <a:pPr lvl="1"/>
-            <a:r>
-              <a:rPr lang="en-US" dirty="0" smtClean="0"/>
-              <a:t>Create a README</a:t>
-            </a:r>
-          </a:p>
-          <a:p>
-            <a:pPr lvl="1"/>
-            <a:r>
-              <a:rPr lang="en-US" dirty="0" smtClean="0"/>
-              <a:t>Download the HCEP data</a:t>
-            </a:r>
-          </a:p>
-          <a:p>
-            <a:pPr lvl="1"/>
-            <a:r>
-              <a:rPr lang="en-US" dirty="0" smtClean="0"/>
-              <a:t>Unpack the data</a:t>
-            </a:r>
-          </a:p>
-          <a:p>
-            <a:pPr lvl="1"/>
-            <a:r>
-              <a:rPr lang="en-US" dirty="0" smtClean="0"/>
-              <a:t>Look at the data</a:t>
-            </a:r>
-          </a:p>
-          <a:p>
-            <a:r>
-              <a:rPr lang="en-US" dirty="0" smtClean="0"/>
-              <a:t>Automate the workflow</a:t>
-            </a:r>
-          </a:p>
-        </p:txBody>
-      </p:sp>
-    </p:spTree>
-    <p:extLst>
-      <p:ext uri="{BB962C8B-B14F-4D97-AF65-F5344CB8AC3E}">
-        <p14:creationId xmlns:p14="http://schemas.microsoft.com/office/powerpoint/2010/main" val="1456375639"/>
-      </p:ext>
-    </p:extLst>
-  </p:cSld>
-  <p:clrMapOvr>
-    <a:masterClrMapping/>
-  </p:clrMapOvr>
-  <p:timing>
-    <p:tnLst>
-      <p:par>
-        <p:cTn id="1" dur="indefinite" restart="never" nodeType="tmRoot"/>
-      </p:par>
-    </p:tnLst>
-  </p:timing>
-</p:sld>
-</file>
-
-<file path=ppt/slides/slide14.xml><?xml version="1.0" encoding="utf-8"?>
-<p:sld xmlns:a="http://schemas.openxmlformats.org/drawingml/2006/main" xmlns:r="http://schemas.openxmlformats.org/officeDocument/2006/relationships" xmlns:p="http://schemas.openxmlformats.org/presentationml/2006/main">
-  <p:cSld>
-    <p:spTree>
-      <p:nvGrpSpPr>
-        <p:cNvPr id="1" name=""/>
-        <p:cNvGrpSpPr/>
-        <p:nvPr/>
-      </p:nvGrpSpPr>
-      <p:grpSpPr>
-        <a:xfrm>
-          <a:off x="0" y="0"/>
-          <a:ext cx="0" cy="0"/>
-          <a:chOff x="0" y="0"/>
-          <a:chExt cx="0" cy="0"/>
-        </a:xfrm>
-      </p:grpSpPr>
-      <p:sp>
-        <p:nvSpPr>
-          <p:cNvPr id="2" name="Title 1"/>
-          <p:cNvSpPr>
-            <a:spLocks noGrp="1"/>
-          </p:cNvSpPr>
-          <p:nvPr>
-            <p:ph type="title"/>
-          </p:nvPr>
-        </p:nvSpPr>
-        <p:spPr/>
-        <p:txBody>
-          <a:bodyPr/>
-          <a:lstStyle/>
-          <a:p>
-            <a:r>
-              <a:rPr lang="en-US" dirty="0" smtClean="0"/>
+              <a:rPr lang="en-US" dirty="0"/>
               <a:t>Useful shell commands</a:t>
             </a:r>
-            <a:endParaRPr lang="en-US" dirty="0"/>
           </a:p>
         </p:txBody>
       </p:sp>
@@ -6662,9 +6321,27 @@
                 <a:tableStyleId>{5C22544A-7EE6-4342-B048-85BDC9FD1C3A}</a:tableStyleId>
               </a:tblPr>
               <a:tblGrid>
-                <a:gridCol w="2743200"/>
-                <a:gridCol w="2743200"/>
-                <a:gridCol w="2743200"/>
+                <a:gridCol w="2743200">
+                  <a:extLst>
+                    <a:ext uri="{9D8B030D-6E8A-4147-A177-3AD203B41FA5}">
+                      <a16:colId xmlns:a16="http://schemas.microsoft.com/office/drawing/2014/main" val="20000"/>
+                    </a:ext>
+                  </a:extLst>
+                </a:gridCol>
+                <a:gridCol w="2743200">
+                  <a:extLst>
+                    <a:ext uri="{9D8B030D-6E8A-4147-A177-3AD203B41FA5}">
+                      <a16:colId xmlns:a16="http://schemas.microsoft.com/office/drawing/2014/main" val="20001"/>
+                    </a:ext>
+                  </a:extLst>
+                </a:gridCol>
+                <a:gridCol w="2743200">
+                  <a:extLst>
+                    <a:ext uri="{9D8B030D-6E8A-4147-A177-3AD203B41FA5}">
+                      <a16:colId xmlns:a16="http://schemas.microsoft.com/office/drawing/2014/main" val="20002"/>
+                    </a:ext>
+                  </a:extLst>
+                </a:gridCol>
               </a:tblGrid>
               <a:tr h="257881">
                 <a:tc>
@@ -6727,6 +6404,11 @@
                   </a:txBody>
                   <a:tcPr marL="12700" marR="12700" marT="25403" marB="25403" anchor="b"/>
                 </a:tc>
+                <a:extLst>
+                  <a:ext uri="{0D108BD9-81ED-4DB2-BD59-A6C34878D82A}">
+                    <a16:rowId xmlns:a16="http://schemas.microsoft.com/office/drawing/2014/main" val="10000"/>
+                  </a:ext>
+                </a:extLst>
               </a:tr>
               <a:tr h="257881">
                 <a:tc>
@@ -6789,6 +6471,11 @@
                   </a:txBody>
                   <a:tcPr marL="12700" marR="12700" marT="25403" marB="25403" anchor="b"/>
                 </a:tc>
+                <a:extLst>
+                  <a:ext uri="{0D108BD9-81ED-4DB2-BD59-A6C34878D82A}">
+                    <a16:rowId xmlns:a16="http://schemas.microsoft.com/office/drawing/2014/main" val="10001"/>
+                  </a:ext>
+                </a:extLst>
               </a:tr>
               <a:tr h="257881">
                 <a:tc>
@@ -6905,6 +6592,11 @@
                   </a:txBody>
                   <a:tcPr marL="12700" marR="12700" marT="25403" marB="25403" anchor="b"/>
                 </a:tc>
+                <a:extLst>
+                  <a:ext uri="{0D108BD9-81ED-4DB2-BD59-A6C34878D82A}">
+                    <a16:rowId xmlns:a16="http://schemas.microsoft.com/office/drawing/2014/main" val="10002"/>
+                  </a:ext>
+                </a:extLst>
               </a:tr>
               <a:tr h="257881">
                 <a:tc>
@@ -6967,6 +6659,11 @@
                   </a:txBody>
                   <a:tcPr marL="12700" marR="12700" marT="25403" marB="25403" anchor="b"/>
                 </a:tc>
+                <a:extLst>
+                  <a:ext uri="{0D108BD9-81ED-4DB2-BD59-A6C34878D82A}">
+                    <a16:rowId xmlns:a16="http://schemas.microsoft.com/office/drawing/2014/main" val="10003"/>
+                  </a:ext>
+                </a:extLst>
               </a:tr>
               <a:tr h="257881">
                 <a:tc>
@@ -7029,6 +6726,11 @@
                   </a:txBody>
                   <a:tcPr marL="12700" marR="12700" marT="25403" marB="25403" anchor="b"/>
                 </a:tc>
+                <a:extLst>
+                  <a:ext uri="{0D108BD9-81ED-4DB2-BD59-A6C34878D82A}">
+                    <a16:rowId xmlns:a16="http://schemas.microsoft.com/office/drawing/2014/main" val="10004"/>
+                  </a:ext>
+                </a:extLst>
               </a:tr>
               <a:tr h="257881">
                 <a:tc>
@@ -7091,6 +6793,11 @@
                   </a:txBody>
                   <a:tcPr marL="12700" marR="12700" marT="25403" marB="25403" anchor="b"/>
                 </a:tc>
+                <a:extLst>
+                  <a:ext uri="{0D108BD9-81ED-4DB2-BD59-A6C34878D82A}">
+                    <a16:rowId xmlns:a16="http://schemas.microsoft.com/office/drawing/2014/main" val="10005"/>
+                  </a:ext>
+                </a:extLst>
               </a:tr>
               <a:tr h="257881">
                 <a:tc>
@@ -7153,6 +6860,11 @@
                   </a:txBody>
                   <a:tcPr marL="12700" marR="12700" marT="25403" marB="25403" anchor="b"/>
                 </a:tc>
+                <a:extLst>
+                  <a:ext uri="{0D108BD9-81ED-4DB2-BD59-A6C34878D82A}">
+                    <a16:rowId xmlns:a16="http://schemas.microsoft.com/office/drawing/2014/main" val="10006"/>
+                  </a:ext>
+                </a:extLst>
               </a:tr>
               <a:tr h="257881">
                 <a:tc>
@@ -7215,6 +6927,11 @@
                   </a:txBody>
                   <a:tcPr marL="12700" marR="12700" marT="25403" marB="25403" anchor="b"/>
                 </a:tc>
+                <a:extLst>
+                  <a:ext uri="{0D108BD9-81ED-4DB2-BD59-A6C34878D82A}">
+                    <a16:rowId xmlns:a16="http://schemas.microsoft.com/office/drawing/2014/main" val="10007"/>
+                  </a:ext>
+                </a:extLst>
               </a:tr>
               <a:tr h="257881">
                 <a:tc>
@@ -7277,6 +6994,11 @@
                   </a:txBody>
                   <a:tcPr marL="12700" marR="12700" marT="25403" marB="25403" anchor="b"/>
                 </a:tc>
+                <a:extLst>
+                  <a:ext uri="{0D108BD9-81ED-4DB2-BD59-A6C34878D82A}">
+                    <a16:rowId xmlns:a16="http://schemas.microsoft.com/office/drawing/2014/main" val="10008"/>
+                  </a:ext>
+                </a:extLst>
               </a:tr>
               <a:tr h="257881">
                 <a:tc>
@@ -7339,6 +7061,11 @@
                   </a:txBody>
                   <a:tcPr marL="12700" marR="12700" marT="25403" marB="25403" anchor="b"/>
                 </a:tc>
+                <a:extLst>
+                  <a:ext uri="{0D108BD9-81ED-4DB2-BD59-A6C34878D82A}">
+                    <a16:rowId xmlns:a16="http://schemas.microsoft.com/office/drawing/2014/main" val="10009"/>
+                  </a:ext>
+                </a:extLst>
               </a:tr>
               <a:tr h="257881">
                 <a:tc>
@@ -7421,6 +7148,11 @@
                   </a:txBody>
                   <a:tcPr marL="12700" marR="12700" marT="25403" marB="25403" anchor="b"/>
                 </a:tc>
+                <a:extLst>
+                  <a:ext uri="{0D108BD9-81ED-4DB2-BD59-A6C34878D82A}">
+                    <a16:rowId xmlns:a16="http://schemas.microsoft.com/office/drawing/2014/main" val="10010"/>
+                  </a:ext>
+                </a:extLst>
               </a:tr>
               <a:tr h="257881">
                 <a:tc>
@@ -7483,6 +7215,11 @@
                   </a:txBody>
                   <a:tcPr marL="12700" marR="12700" marT="25403" marB="25403" anchor="b"/>
                 </a:tc>
+                <a:extLst>
+                  <a:ext uri="{0D108BD9-81ED-4DB2-BD59-A6C34878D82A}">
+                    <a16:rowId xmlns:a16="http://schemas.microsoft.com/office/drawing/2014/main" val="10011"/>
+                  </a:ext>
+                </a:extLst>
               </a:tr>
               <a:tr h="257881">
                 <a:tc>
@@ -7552,6 +7289,11 @@
                   </a:txBody>
                   <a:tcPr marL="12700" marR="12700" marT="25403" marB="25403" anchor="b"/>
                 </a:tc>
+                <a:extLst>
+                  <a:ext uri="{0D108BD9-81ED-4DB2-BD59-A6C34878D82A}">
+                    <a16:rowId xmlns:a16="http://schemas.microsoft.com/office/drawing/2014/main" val="10012"/>
+                  </a:ext>
+                </a:extLst>
               </a:tr>
               <a:tr h="257881">
                 <a:tc>
@@ -7614,6 +7356,11 @@
                   </a:txBody>
                   <a:tcPr marL="12700" marR="12700" marT="25403" marB="25403" anchor="b"/>
                 </a:tc>
+                <a:extLst>
+                  <a:ext uri="{0D108BD9-81ED-4DB2-BD59-A6C34878D82A}">
+                    <a16:rowId xmlns:a16="http://schemas.microsoft.com/office/drawing/2014/main" val="10013"/>
+                  </a:ext>
+                </a:extLst>
               </a:tr>
               <a:tr h="257881">
                 <a:tc>
@@ -7676,6 +7423,11 @@
                   </a:txBody>
                   <a:tcPr marL="12700" marR="12700" marT="25403" marB="25403" anchor="b"/>
                 </a:tc>
+                <a:extLst>
+                  <a:ext uri="{0D108BD9-81ED-4DB2-BD59-A6C34878D82A}">
+                    <a16:rowId xmlns:a16="http://schemas.microsoft.com/office/drawing/2014/main" val="10014"/>
+                  </a:ext>
+                </a:extLst>
               </a:tr>
               <a:tr h="257881">
                 <a:tc>
@@ -7775,6 +7527,11 @@
                   </a:txBody>
                   <a:tcPr marL="12700" marR="12700" marT="25403" marB="25403" anchor="b"/>
                 </a:tc>
+                <a:extLst>
+                  <a:ext uri="{0D108BD9-81ED-4DB2-BD59-A6C34878D82A}">
+                    <a16:rowId xmlns:a16="http://schemas.microsoft.com/office/drawing/2014/main" val="10015"/>
+                  </a:ext>
+                </a:extLst>
               </a:tr>
               <a:tr h="257881">
                 <a:tc>
@@ -7784,7 +7541,7 @@
                     <a:p>
                       <a:pPr algn="l" rtl="0" fontAlgn="b"/>
                       <a:r>
-                        <a:rPr lang="en-US" sz="1300" b="0" i="0" u="none" strike="noStrike" dirty="0" smtClean="0">
+                        <a:rPr lang="en-US" sz="1300" b="0" i="0" u="none" strike="noStrike" dirty="0">
                           <a:solidFill>
                             <a:srgbClr val="000000"/>
                           </a:solidFill>
@@ -7792,6 +7549,130 @@
                           <a:latin typeface="Arial"/>
                         </a:rPr>
                         <a:t>unzip</a:t>
+                      </a:r>
+                    </a:p>
+                  </a:txBody>
+                  <a:tcPr marL="12700" marR="12700" marT="25403" marB="25403" anchor="b"/>
+                </a:tc>
+                <a:tc>
+                  <a:txBody>
+                    <a:bodyPr/>
+                    <a:lstStyle/>
+                    <a:p>
+                      <a:pPr algn="l" rtl="0" fontAlgn="b"/>
+                      <a:r>
+                        <a:rPr lang="en-US" sz="1300" b="0" i="0" u="none" strike="noStrike" dirty="0" err="1">
+                          <a:solidFill>
+                            <a:srgbClr val="000000"/>
+                          </a:solidFill>
+                          <a:effectLst/>
+                          <a:latin typeface="Arial"/>
+                        </a:rPr>
+                        <a:t>Uncompress</a:t>
+                      </a:r>
+                      <a:r>
+                        <a:rPr lang="en-US" sz="1300" b="0" i="0" u="none" strike="noStrike" dirty="0">
+                          <a:solidFill>
+                            <a:srgbClr val="000000"/>
+                          </a:solidFill>
+                          <a:effectLst/>
+                          <a:latin typeface="Arial"/>
+                        </a:rPr>
+                        <a:t> a file</a:t>
+                      </a:r>
+                    </a:p>
+                  </a:txBody>
+                  <a:tcPr marL="12700" marR="12700" marT="25403" marB="25403" anchor="b"/>
+                </a:tc>
+                <a:tc>
+                  <a:txBody>
+                    <a:bodyPr/>
+                    <a:lstStyle/>
+                    <a:p>
+                      <a:pPr algn="l" rtl="0" fontAlgn="b"/>
+                      <a:r>
+                        <a:rPr lang="en-US" sz="1300" b="0" i="0" u="none" strike="noStrike" dirty="0">
+                          <a:solidFill>
+                            <a:srgbClr val="000000"/>
+                          </a:solidFill>
+                          <a:effectLst/>
+                          <a:latin typeface="Courier New"/>
+                        </a:rPr>
+                        <a:t>unzip </a:t>
+                      </a:r>
+                      <a:r>
+                        <a:rPr lang="en-US" sz="1300" b="0" i="0" u="none" strike="noStrike" dirty="0" err="1">
+                          <a:solidFill>
+                            <a:srgbClr val="000000"/>
+                          </a:solidFill>
+                          <a:effectLst/>
+                          <a:latin typeface="Courier New"/>
+                        </a:rPr>
+                        <a:t>compressed_file.zip</a:t>
+                      </a:r>
+                      <a:endParaRPr lang="en-US" sz="1300" b="0" i="0" u="none" strike="noStrike" dirty="0">
+                        <a:solidFill>
+                          <a:srgbClr val="000000"/>
+                        </a:solidFill>
+                        <a:effectLst/>
+                        <a:latin typeface="Courier New"/>
+                      </a:endParaRPr>
+                    </a:p>
+                  </a:txBody>
+                  <a:tcPr marL="12700" marR="12700" marT="25403" marB="25403" anchor="b"/>
+                </a:tc>
+                <a:extLst>
+                  <a:ext uri="{0D108BD9-81ED-4DB2-BD59-A6C34878D82A}">
+                    <a16:rowId xmlns:a16="http://schemas.microsoft.com/office/drawing/2014/main" val="10016"/>
+                  </a:ext>
+                </a:extLst>
+              </a:tr>
+              <a:tr h="257881">
+                <a:tc>
+                  <a:txBody>
+                    <a:bodyPr/>
+                    <a:lstStyle/>
+                    <a:p>
+                      <a:pPr algn="l" rtl="0" fontAlgn="b"/>
+                      <a:r>
+                        <a:rPr lang="en-US" sz="1300" b="0" i="0" u="none" strike="noStrike" dirty="0">
+                          <a:solidFill>
+                            <a:srgbClr val="000000"/>
+                          </a:solidFill>
+                          <a:effectLst/>
+                          <a:latin typeface="Arial"/>
+                        </a:rPr>
+                        <a:t>curl</a:t>
+                      </a:r>
+                    </a:p>
+                  </a:txBody>
+                  <a:tcPr marL="12700" marR="12700" marT="25403" marB="25403" anchor="b"/>
+                </a:tc>
+                <a:tc>
+                  <a:txBody>
+                    <a:bodyPr/>
+                    <a:lstStyle/>
+                    <a:p>
+                      <a:pPr algn="l" rtl="0" fontAlgn="b"/>
+                      <a:r>
+                        <a:rPr lang="en-US" sz="1300" b="0" i="0" u="none" strike="noStrike" dirty="0">
+                          <a:solidFill>
+                            <a:srgbClr val="000000"/>
+                          </a:solidFill>
+                          <a:effectLst/>
+                          <a:latin typeface="Arial"/>
+                        </a:rPr>
+                        <a:t>Download</a:t>
+                      </a:r>
+                      <a:r>
+                        <a:rPr lang="en-US" sz="1300" b="0" i="0" u="none" strike="noStrike" baseline="0" dirty="0">
+                          <a:solidFill>
+                            <a:srgbClr val="000000"/>
+                          </a:solidFill>
+                          <a:effectLst/>
+                          <a:latin typeface="Arial"/>
+                        </a:rPr>
+                        <a:t> a file using its URL</a:t>
                       </a:r>
                       <a:endParaRPr lang="en-US" sz="1300" b="0" i="0" u="none" strike="noStrike" dirty="0">
                         <a:solidFill>
@@ -7811,61 +7692,24 @@
                     <a:p>
                       <a:pPr algn="l" rtl="0" fontAlgn="b"/>
                       <a:r>
-                        <a:rPr lang="en-US" sz="1300" b="0" i="0" u="none" strike="noStrike" dirty="0" err="1" smtClean="0">
-                          <a:solidFill>
-                            <a:srgbClr val="000000"/>
-                          </a:solidFill>
-                          <a:effectLst/>
-                          <a:latin typeface="Arial"/>
-                        </a:rPr>
-                        <a:t>Uncompress</a:t>
-                      </a:r>
-                      <a:r>
-                        <a:rPr lang="en-US" sz="1300" b="0" i="0" u="none" strike="noStrike" dirty="0" smtClean="0">
-                          <a:solidFill>
-                            <a:srgbClr val="000000"/>
-                          </a:solidFill>
-                          <a:effectLst/>
-                          <a:latin typeface="Arial"/>
-                        </a:rPr>
-                        <a:t> a file</a:t>
-                      </a:r>
-                      <a:endParaRPr lang="en-US" sz="1300" b="0" i="0" u="none" strike="noStrike" dirty="0">
-                        <a:solidFill>
-                          <a:srgbClr val="000000"/>
-                        </a:solidFill>
-                        <a:effectLst/>
-                        <a:latin typeface="Arial"/>
-                      </a:endParaRPr>
-                    </a:p>
-                  </a:txBody>
-                  <a:tcPr marL="12700" marR="12700" marT="25403" marB="25403" anchor="b"/>
-                </a:tc>
-                <a:tc>
-                  <a:txBody>
-                    <a:bodyPr/>
-                    <a:lstStyle/>
-                    <a:p>
-                      <a:pPr algn="l" rtl="0" fontAlgn="b"/>
-                      <a:r>
-                        <a:rPr lang="en-US" sz="1300" b="0" i="0" u="none" strike="noStrike" dirty="0" smtClean="0">
+                        <a:rPr lang="en-US" sz="1300" b="0" i="0" u="none" strike="noStrike" dirty="0">
                           <a:solidFill>
                             <a:srgbClr val="000000"/>
                           </a:solidFill>
                           <a:effectLst/>
                           <a:latin typeface="Courier New"/>
                         </a:rPr>
-                        <a:t>unzip </a:t>
-                      </a:r>
-                      <a:r>
-                        <a:rPr lang="en-US" sz="1300" b="0" i="0" u="none" strike="noStrike" dirty="0" err="1" smtClean="0">
+                        <a:t>curl some</a:t>
+                      </a:r>
+                      <a:r>
+                        <a:rPr lang="en-US" sz="1300" b="0" i="0" u="none" strike="noStrike" baseline="0" dirty="0">
                           <a:solidFill>
                             <a:srgbClr val="000000"/>
                           </a:solidFill>
                           <a:effectLst/>
                           <a:latin typeface="Courier New"/>
                         </a:rPr>
-                        <a:t>compressed_file.zip</a:t>
+                        <a:t> URL</a:t>
                       </a:r>
                       <a:endParaRPr lang="en-US" sz="1300" b="0" i="0" u="none" strike="noStrike" dirty="0">
                         <a:solidFill>
@@ -7878,109 +7722,11 @@
                   </a:txBody>
                   <a:tcPr marL="12700" marR="12700" marT="25403" marB="25403" anchor="b"/>
                 </a:tc>
-              </a:tr>
-              <a:tr h="257881">
-                <a:tc>
-                  <a:txBody>
-                    <a:bodyPr/>
-                    <a:lstStyle/>
-                    <a:p>
-                      <a:pPr algn="l" rtl="0" fontAlgn="b"/>
-                      <a:r>
-                        <a:rPr lang="en-US" sz="1300" b="0" i="0" u="none" strike="noStrike" dirty="0" smtClean="0">
-                          <a:solidFill>
-                            <a:srgbClr val="000000"/>
-                          </a:solidFill>
-                          <a:effectLst/>
-                          <a:latin typeface="Arial"/>
-                        </a:rPr>
-                        <a:t>curl</a:t>
-                      </a:r>
-                      <a:endParaRPr lang="en-US" sz="1300" b="0" i="0" u="none" strike="noStrike" dirty="0">
-                        <a:solidFill>
-                          <a:srgbClr val="000000"/>
-                        </a:solidFill>
-                        <a:effectLst/>
-                        <a:latin typeface="Arial"/>
-                      </a:endParaRPr>
-                    </a:p>
-                  </a:txBody>
-                  <a:tcPr marL="12700" marR="12700" marT="25403" marB="25403" anchor="b"/>
-                </a:tc>
-                <a:tc>
-                  <a:txBody>
-                    <a:bodyPr/>
-                    <a:lstStyle/>
-                    <a:p>
-                      <a:pPr algn="l" rtl="0" fontAlgn="b"/>
-                      <a:r>
-                        <a:rPr lang="en-US" sz="1300" b="0" i="0" u="none" strike="noStrike" dirty="0" smtClean="0">
-                          <a:solidFill>
-                            <a:srgbClr val="000000"/>
-                          </a:solidFill>
-                          <a:effectLst/>
-                          <a:latin typeface="Arial"/>
-                        </a:rPr>
-                        <a:t>Download</a:t>
-                      </a:r>
-                      <a:r>
-                        <a:rPr lang="en-US" sz="1300" b="0" i="0" u="none" strike="noStrike" baseline="0" dirty="0" smtClean="0">
-                          <a:solidFill>
-                            <a:srgbClr val="000000"/>
-                          </a:solidFill>
-                          <a:effectLst/>
-                          <a:latin typeface="Arial"/>
-                        </a:rPr>
-                        <a:t> a file using its URL</a:t>
-                      </a:r>
-                      <a:endParaRPr lang="en-US" sz="1300" b="0" i="0" u="none" strike="noStrike" dirty="0">
-                        <a:solidFill>
-                          <a:srgbClr val="000000"/>
-                        </a:solidFill>
-                        <a:effectLst/>
-                        <a:latin typeface="Arial"/>
-                      </a:endParaRPr>
-                    </a:p>
-                  </a:txBody>
-                  <a:tcPr marL="12700" marR="12700" marT="25403" marB="25403" anchor="b"/>
-                </a:tc>
-                <a:tc>
-                  <a:txBody>
-                    <a:bodyPr/>
-                    <a:lstStyle/>
-                    <a:p>
-                      <a:pPr algn="l" rtl="0" fontAlgn="b"/>
-                      <a:r>
-                        <a:rPr lang="en-US" sz="1300" b="0" i="0" u="none" strike="noStrike" dirty="0" smtClean="0">
-                          <a:solidFill>
-                            <a:srgbClr val="000000"/>
-                          </a:solidFill>
-                          <a:effectLst/>
-                          <a:latin typeface="Courier New"/>
-                        </a:rPr>
-                        <a:t>curl some</a:t>
-                      </a:r>
-                      <a:r>
-                        <a:rPr lang="en-US" sz="1300" b="0" i="0" u="none" strike="noStrike" baseline="0" dirty="0" smtClean="0">
-                          <a:solidFill>
-                            <a:srgbClr val="000000"/>
-                          </a:solidFill>
-                          <a:effectLst/>
-                          <a:latin typeface="Courier New"/>
-                        </a:rPr>
-                        <a:t> URL</a:t>
-                      </a:r>
-                      <a:endParaRPr lang="en-US" sz="1300" b="0" i="0" u="none" strike="noStrike" dirty="0">
-                        <a:solidFill>
-                          <a:srgbClr val="000000"/>
-                        </a:solidFill>
-                        <a:effectLst/>
-                        <a:latin typeface="Courier New"/>
-                      </a:endParaRPr>
-                    </a:p>
-                  </a:txBody>
-                  <a:tcPr marL="12700" marR="12700" marT="25403" marB="25403" anchor="b"/>
-                </a:tc>
+                <a:extLst>
+                  <a:ext uri="{0D108BD9-81ED-4DB2-BD59-A6C34878D82A}">
+                    <a16:rowId xmlns:a16="http://schemas.microsoft.com/office/drawing/2014/main" val="10017"/>
+                  </a:ext>
+                </a:extLst>
               </a:tr>
             </a:tbl>
           </a:graphicData>
@@ -8025,20 +7771,10 @@
                 <a:latin typeface="Calibri" charset="0"/>
                 <a:hlinkClick r:id="rId2"/>
               </a:rPr>
-              <a:t>http://</a:t>
-            </a:r>
-            <a:r>
-              <a:rPr lang="en-US" altLang="x-none" dirty="0" smtClean="0">
-                <a:solidFill>
-                  <a:srgbClr val="000000"/>
-                </a:solidFill>
-                <a:latin typeface="Calibri" charset="0"/>
-                <a:hlinkClick r:id="rId2"/>
-              </a:rPr>
-              <a:t>www.pixelbeat.org/cmdline.html</a:t>
-            </a:r>
-            <a:r>
-              <a:rPr lang="en-US" altLang="x-none" dirty="0" smtClean="0">
+              <a:t>http://www.pixelbeat.org/cmdline.html</a:t>
+            </a:r>
+            <a:r>
+              <a:rPr lang="en-US" altLang="x-none" dirty="0">
                 <a:solidFill>
                   <a:srgbClr val="000000"/>
                 </a:solidFill>
@@ -8046,12 +7782,6 @@
               </a:rPr>
               <a:t> or google ‘shell + command name’</a:t>
             </a:r>
-            <a:endParaRPr lang="en-US" altLang="x-none" dirty="0">
-              <a:solidFill>
-                <a:srgbClr val="000000"/>
-              </a:solidFill>
-              <a:latin typeface="Calibri" charset="0"/>
-            </a:endParaRPr>
           </a:p>
         </p:txBody>
       </p:sp>
@@ -8065,514 +7795,10 @@
   <p:clrMapOvr>
     <a:masterClrMapping/>
   </p:clrMapOvr>
-  <p:timing>
-    <p:tnLst>
-      <p:par>
-        <p:cTn id="1" dur="indefinite" restart="never" nodeType="tmRoot"/>
-      </p:par>
-    </p:tnLst>
-  </p:timing>
 </p:sld>
 </file>
 
 <file path=ppt/slides/slide2.xml><?xml version="1.0" encoding="utf-8"?>
-<p:sld xmlns:a="http://schemas.openxmlformats.org/drawingml/2006/main" xmlns:r="http://schemas.openxmlformats.org/officeDocument/2006/relationships" xmlns:p="http://schemas.openxmlformats.org/presentationml/2006/main">
-  <p:cSld>
-    <p:spTree>
-      <p:nvGrpSpPr>
-        <p:cNvPr id="1" name=""/>
-        <p:cNvGrpSpPr/>
-        <p:nvPr/>
-      </p:nvGrpSpPr>
-      <p:grpSpPr>
-        <a:xfrm>
-          <a:off x="0" y="0"/>
-          <a:ext cx="0" cy="0"/>
-          <a:chOff x="0" y="0"/>
-          <a:chExt cx="0" cy="0"/>
-        </a:xfrm>
-      </p:grpSpPr>
-      <p:sp>
-        <p:nvSpPr>
-          <p:cNvPr id="2" name="Title 1"/>
-          <p:cNvSpPr>
-            <a:spLocks noGrp="1"/>
-          </p:cNvSpPr>
-          <p:nvPr>
-            <p:ph type="title"/>
-          </p:nvPr>
-        </p:nvSpPr>
-        <p:spPr/>
-        <p:txBody>
-          <a:bodyPr>
-            <a:normAutofit/>
-          </a:bodyPr>
-          <a:lstStyle/>
-          <a:p>
-            <a:r>
-              <a:rPr lang="en-US" dirty="0" smtClean="0"/>
-              <a:t>Questions?</a:t>
-            </a:r>
-            <a:endParaRPr lang="en-US" dirty="0"/>
-          </a:p>
-        </p:txBody>
-      </p:sp>
-      <p:sp>
-        <p:nvSpPr>
-          <p:cNvPr id="4" name="Content Placeholder 3"/>
-          <p:cNvSpPr>
-            <a:spLocks noGrp="1"/>
-          </p:cNvSpPr>
-          <p:nvPr>
-            <p:ph idx="1"/>
-          </p:nvPr>
-        </p:nvSpPr>
-        <p:spPr/>
-        <p:txBody>
-          <a:bodyPr/>
-          <a:lstStyle/>
-          <a:p>
-            <a:r>
-              <a:rPr lang="en-US" dirty="0" smtClean="0"/>
-              <a:t>Other things to note</a:t>
-            </a:r>
-            <a:r>
-              <a:rPr lang="mr-IN" dirty="0" smtClean="0"/>
-              <a:t>…</a:t>
-            </a:r>
-            <a:endParaRPr lang="en-US" dirty="0" smtClean="0"/>
-          </a:p>
-          <a:p>
-            <a:pPr lvl="1"/>
-            <a:r>
-              <a:rPr lang="en-US" dirty="0" err="1" smtClean="0"/>
-              <a:t>Chintin</a:t>
-            </a:r>
-            <a:r>
-              <a:rPr lang="en-US" dirty="0" smtClean="0"/>
-              <a:t> Pathak (your classmate) created a #projects channel on Slack to discuss project ideas</a:t>
-            </a:r>
-          </a:p>
-          <a:p>
-            <a:pPr lvl="1"/>
-            <a:r>
-              <a:rPr lang="en-US" dirty="0" smtClean="0"/>
-              <a:t>There is a curated wiki with a place to ask questions in GitHub:</a:t>
-            </a:r>
-          </a:p>
-          <a:p>
-            <a:pPr lvl="2"/>
-            <a:r>
-              <a:rPr lang="en-US" dirty="0">
-                <a:hlinkClick r:id="rId3"/>
-              </a:rPr>
-              <a:t>https://</a:t>
-            </a:r>
-            <a:r>
-              <a:rPr lang="en-US" dirty="0" smtClean="0">
-                <a:hlinkClick r:id="rId3"/>
-              </a:rPr>
-              <a:t>github.com/uwdirect/wiki/wiki</a:t>
-            </a:r>
-            <a:endParaRPr lang="en-US" dirty="0" smtClean="0"/>
-          </a:p>
-          <a:p>
-            <a:pPr lvl="2"/>
-            <a:r>
-              <a:rPr lang="en-US" dirty="0">
-                <a:hlinkClick r:id="rId4"/>
-              </a:rPr>
-              <a:t>https://</a:t>
-            </a:r>
-            <a:r>
-              <a:rPr lang="en-US" dirty="0" smtClean="0">
-                <a:hlinkClick r:id="rId4"/>
-              </a:rPr>
-              <a:t>github.com/uwdirect/wiki/issues</a:t>
-            </a:r>
-            <a:endParaRPr lang="en-US" dirty="0" smtClean="0"/>
-          </a:p>
-          <a:p>
-            <a:pPr lvl="2"/>
-            <a:r>
-              <a:rPr lang="en-US" dirty="0" smtClean="0"/>
-              <a:t>Note, this isn’t CANVAS because we want you to get used to using GitHub</a:t>
-            </a:r>
-            <a:endParaRPr lang="en-US" dirty="0"/>
-          </a:p>
-        </p:txBody>
-      </p:sp>
-      <p:pic>
-        <p:nvPicPr>
-          <p:cNvPr id="3" name="Picture 2"/>
-          <p:cNvPicPr>
-            <a:picLocks noChangeAspect="1"/>
-          </p:cNvPicPr>
-          <p:nvPr/>
-        </p:nvPicPr>
-        <p:blipFill>
-          <a:blip r:embed="rId5"/>
-          <a:stretch>
-            <a:fillRect/>
-          </a:stretch>
-        </p:blipFill>
-        <p:spPr>
-          <a:xfrm>
-            <a:off x="7493577" y="1704107"/>
-            <a:ext cx="964623" cy="964623"/>
-          </a:xfrm>
-          <a:prstGeom prst="rect">
-            <a:avLst/>
-          </a:prstGeom>
-        </p:spPr>
-      </p:pic>
-    </p:spTree>
-    <p:extLst>
-      <p:ext uri="{BB962C8B-B14F-4D97-AF65-F5344CB8AC3E}">
-        <p14:creationId xmlns:p14="http://schemas.microsoft.com/office/powerpoint/2010/main" val="1053392601"/>
-      </p:ext>
-    </p:extLst>
-  </p:cSld>
-  <p:clrMapOvr>
-    <a:masterClrMapping/>
-  </p:clrMapOvr>
-  <p:timing>
-    <p:tnLst>
-      <p:par>
-        <p:cTn id="1" dur="indefinite" restart="never" nodeType="tmRoot">
-          <p:childTnLst>
-            <p:seq concurrent="1" nextAc="seek">
-              <p:cTn id="2" dur="indefinite" nodeType="mainSeq">
-                <p:childTnLst>
-                  <p:par>
-                    <p:cTn id="3" fill="hold">
-                      <p:stCondLst>
-                        <p:cond delay="indefinite"/>
-                      </p:stCondLst>
-                      <p:childTnLst>
-                        <p:par>
-                          <p:cTn id="4" fill="hold">
-                            <p:stCondLst>
-                              <p:cond delay="0"/>
-                            </p:stCondLst>
-                            <p:childTnLst>
-                              <p:par>
-                                <p:cTn id="5" presetID="1" presetClass="entr" presetSubtype="0" fill="hold" nodeType="clickEffect">
-                                  <p:stCondLst>
-                                    <p:cond delay="0"/>
-                                  </p:stCondLst>
-                                  <p:childTnLst>
-                                    <p:set>
-                                      <p:cBhvr>
-                                        <p:cTn id="6" dur="1" fill="hold">
-                                          <p:stCondLst>
-                                            <p:cond delay="0"/>
-                                          </p:stCondLst>
-                                        </p:cTn>
-                                        <p:tgtEl>
-                                          <p:spTgt spid="4">
-                                            <p:txEl>
-                                              <p:pRg st="0" end="0"/>
-                                            </p:txEl>
-                                          </p:spTgt>
-                                        </p:tgtEl>
-                                        <p:attrNameLst>
-                                          <p:attrName>style.visibility</p:attrName>
-                                        </p:attrNameLst>
-                                      </p:cBhvr>
-                                      <p:to>
-                                        <p:strVal val="visible"/>
-                                      </p:to>
-                                    </p:set>
-                                  </p:childTnLst>
-                                </p:cTn>
-                              </p:par>
-                            </p:childTnLst>
-                          </p:cTn>
-                        </p:par>
-                      </p:childTnLst>
-                    </p:cTn>
-                  </p:par>
-                  <p:par>
-                    <p:cTn id="7" fill="hold">
-                      <p:stCondLst>
-                        <p:cond delay="indefinite"/>
-                      </p:stCondLst>
-                      <p:childTnLst>
-                        <p:par>
-                          <p:cTn id="8" fill="hold">
-                            <p:stCondLst>
-                              <p:cond delay="0"/>
-                            </p:stCondLst>
-                            <p:childTnLst>
-                              <p:par>
-                                <p:cTn id="9" presetID="1" presetClass="entr" presetSubtype="0" fill="hold" nodeType="clickEffect">
-                                  <p:stCondLst>
-                                    <p:cond delay="0"/>
-                                  </p:stCondLst>
-                                  <p:childTnLst>
-                                    <p:set>
-                                      <p:cBhvr>
-                                        <p:cTn id="10" dur="1" fill="hold">
-                                          <p:stCondLst>
-                                            <p:cond delay="0"/>
-                                          </p:stCondLst>
-                                        </p:cTn>
-                                        <p:tgtEl>
-                                          <p:spTgt spid="4">
-                                            <p:txEl>
-                                              <p:pRg st="1" end="1"/>
-                                            </p:txEl>
-                                          </p:spTgt>
-                                        </p:tgtEl>
-                                        <p:attrNameLst>
-                                          <p:attrName>style.visibility</p:attrName>
-                                        </p:attrNameLst>
-                                      </p:cBhvr>
-                                      <p:to>
-                                        <p:strVal val="visible"/>
-                                      </p:to>
-                                    </p:set>
-                                  </p:childTnLst>
-                                </p:cTn>
-                              </p:par>
-                            </p:childTnLst>
-                          </p:cTn>
-                        </p:par>
-                      </p:childTnLst>
-                    </p:cTn>
-                  </p:par>
-                  <p:par>
-                    <p:cTn id="11" fill="hold">
-                      <p:stCondLst>
-                        <p:cond delay="indefinite"/>
-                      </p:stCondLst>
-                      <p:childTnLst>
-                        <p:par>
-                          <p:cTn id="12" fill="hold">
-                            <p:stCondLst>
-                              <p:cond delay="0"/>
-                            </p:stCondLst>
-                            <p:childTnLst>
-                              <p:par>
-                                <p:cTn id="13" presetID="1" presetClass="entr" presetSubtype="0" fill="hold" nodeType="clickEffect">
-                                  <p:stCondLst>
-                                    <p:cond delay="0"/>
-                                  </p:stCondLst>
-                                  <p:childTnLst>
-                                    <p:set>
-                                      <p:cBhvr>
-                                        <p:cTn id="14" dur="1" fill="hold">
-                                          <p:stCondLst>
-                                            <p:cond delay="0"/>
-                                          </p:stCondLst>
-                                        </p:cTn>
-                                        <p:tgtEl>
-                                          <p:spTgt spid="3"/>
-                                        </p:tgtEl>
-                                        <p:attrNameLst>
-                                          <p:attrName>style.visibility</p:attrName>
-                                        </p:attrNameLst>
-                                      </p:cBhvr>
-                                      <p:to>
-                                        <p:strVal val="visible"/>
-                                      </p:to>
-                                    </p:set>
-                                  </p:childTnLst>
-                                </p:cTn>
-                              </p:par>
-                            </p:childTnLst>
-                          </p:cTn>
-                        </p:par>
-                      </p:childTnLst>
-                    </p:cTn>
-                  </p:par>
-                  <p:par>
-                    <p:cTn id="15" fill="hold">
-                      <p:stCondLst>
-                        <p:cond delay="indefinite"/>
-                      </p:stCondLst>
-                      <p:childTnLst>
-                        <p:par>
-                          <p:cTn id="16" fill="hold">
-                            <p:stCondLst>
-                              <p:cond delay="0"/>
-                            </p:stCondLst>
-                            <p:childTnLst>
-                              <p:par>
-                                <p:cTn id="17" presetID="1" presetClass="entr" presetSubtype="0" fill="hold" nodeType="clickEffect">
-                                  <p:stCondLst>
-                                    <p:cond delay="0"/>
-                                  </p:stCondLst>
-                                  <p:childTnLst>
-                                    <p:set>
-                                      <p:cBhvr>
-                                        <p:cTn id="18" dur="1" fill="hold">
-                                          <p:stCondLst>
-                                            <p:cond delay="0"/>
-                                          </p:stCondLst>
-                                        </p:cTn>
-                                        <p:tgtEl>
-                                          <p:spTgt spid="4">
-                                            <p:txEl>
-                                              <p:pRg st="2" end="2"/>
-                                            </p:txEl>
-                                          </p:spTgt>
-                                        </p:tgtEl>
-                                        <p:attrNameLst>
-                                          <p:attrName>style.visibility</p:attrName>
-                                        </p:attrNameLst>
-                                      </p:cBhvr>
-                                      <p:to>
-                                        <p:strVal val="visible"/>
-                                      </p:to>
-                                    </p:set>
-                                  </p:childTnLst>
-                                </p:cTn>
-                              </p:par>
-                              <p:par>
-                                <p:cTn id="19" presetID="1" presetClass="entr" presetSubtype="0" fill="hold" nodeType="withEffect">
-                                  <p:stCondLst>
-                                    <p:cond delay="0"/>
-                                  </p:stCondLst>
-                                  <p:childTnLst>
-                                    <p:set>
-                                      <p:cBhvr>
-                                        <p:cTn id="20" dur="1" fill="hold">
-                                          <p:stCondLst>
-                                            <p:cond delay="0"/>
-                                          </p:stCondLst>
-                                        </p:cTn>
-                                        <p:tgtEl>
-                                          <p:spTgt spid="4">
-                                            <p:txEl>
-                                              <p:pRg st="3" end="3"/>
-                                            </p:txEl>
-                                          </p:spTgt>
-                                        </p:tgtEl>
-                                        <p:attrNameLst>
-                                          <p:attrName>style.visibility</p:attrName>
-                                        </p:attrNameLst>
-                                      </p:cBhvr>
-                                      <p:to>
-                                        <p:strVal val="visible"/>
-                                      </p:to>
-                                    </p:set>
-                                  </p:childTnLst>
-                                </p:cTn>
-                              </p:par>
-                              <p:par>
-                                <p:cTn id="21" presetID="1" presetClass="entr" presetSubtype="0" fill="hold" nodeType="withEffect">
-                                  <p:stCondLst>
-                                    <p:cond delay="0"/>
-                                  </p:stCondLst>
-                                  <p:childTnLst>
-                                    <p:set>
-                                      <p:cBhvr>
-                                        <p:cTn id="22" dur="1" fill="hold">
-                                          <p:stCondLst>
-                                            <p:cond delay="0"/>
-                                          </p:stCondLst>
-                                        </p:cTn>
-                                        <p:tgtEl>
-                                          <p:spTgt spid="4">
-                                            <p:txEl>
-                                              <p:pRg st="4" end="4"/>
-                                            </p:txEl>
-                                          </p:spTgt>
-                                        </p:tgtEl>
-                                        <p:attrNameLst>
-                                          <p:attrName>style.visibility</p:attrName>
-                                        </p:attrNameLst>
-                                      </p:cBhvr>
-                                      <p:to>
-                                        <p:strVal val="visible"/>
-                                      </p:to>
-                                    </p:set>
-                                  </p:childTnLst>
-                                </p:cTn>
-                              </p:par>
-                            </p:childTnLst>
-                          </p:cTn>
-                        </p:par>
-                      </p:childTnLst>
-                    </p:cTn>
-                  </p:par>
-                  <p:par>
-                    <p:cTn id="23" fill="hold">
-                      <p:stCondLst>
-                        <p:cond delay="indefinite"/>
-                      </p:stCondLst>
-                      <p:childTnLst>
-                        <p:par>
-                          <p:cTn id="24" fill="hold">
-                            <p:stCondLst>
-                              <p:cond delay="0"/>
-                            </p:stCondLst>
-                            <p:childTnLst>
-                              <p:par>
-                                <p:cTn id="25" presetID="1" presetClass="entr" presetSubtype="0" fill="hold" nodeType="clickEffect">
-                                  <p:stCondLst>
-                                    <p:cond delay="0"/>
-                                  </p:stCondLst>
-                                  <p:childTnLst>
-                                    <p:set>
-                                      <p:cBhvr>
-                                        <p:cTn id="26" dur="1" fill="hold">
-                                          <p:stCondLst>
-                                            <p:cond delay="0"/>
-                                          </p:stCondLst>
-                                        </p:cTn>
-                                        <p:tgtEl>
-                                          <p:spTgt spid="4">
-                                            <p:txEl>
-                                              <p:pRg st="5" end="5"/>
-                                            </p:txEl>
-                                          </p:spTgt>
-                                        </p:tgtEl>
-                                        <p:attrNameLst>
-                                          <p:attrName>style.visibility</p:attrName>
-                                        </p:attrNameLst>
-                                      </p:cBhvr>
-                                      <p:to>
-                                        <p:strVal val="visible"/>
-                                      </p:to>
-                                    </p:set>
-                                  </p:childTnLst>
-                                </p:cTn>
-                              </p:par>
-                            </p:childTnLst>
-                          </p:cTn>
-                        </p:par>
-                      </p:childTnLst>
-                    </p:cTn>
-                  </p:par>
-                </p:childTnLst>
-              </p:cTn>
-              <p:prevCondLst>
-                <p:cond evt="onPrev" delay="0">
-                  <p:tgtEl>
-                    <p:sldTgt/>
-                  </p:tgtEl>
-                </p:cond>
-              </p:prevCondLst>
-              <p:nextCondLst>
-                <p:cond evt="onNext" delay="0">
-                  <p:tgtEl>
-                    <p:sldTgt/>
-                  </p:tgtEl>
-                </p:cond>
-              </p:nextCondLst>
-            </p:seq>
-          </p:childTnLst>
-        </p:cTn>
-      </p:par>
-    </p:tnLst>
-  </p:timing>
-</p:sld>
-</file>
-
-<file path=ppt/slides/slide3.xml><?xml version="1.0" encoding="utf-8"?>
 <p:sld xmlns:a="http://schemas.openxmlformats.org/drawingml/2006/main" xmlns:r="http://schemas.openxmlformats.org/officeDocument/2006/relationships" xmlns:p="http://schemas.openxmlformats.org/presentationml/2006/main">
   <p:cSld>
     <p:spTree>
@@ -8661,10 +7887,9 @@
           <a:lstStyle/>
           <a:p>
             <a:r>
-              <a:rPr lang="en-US" dirty="0" smtClean="0"/>
+              <a:rPr lang="en-US" dirty="0"/>
               <a:t>File system basics</a:t>
             </a:r>
-            <a:endParaRPr lang="en-US" dirty="0"/>
           </a:p>
         </p:txBody>
       </p:sp>
@@ -9037,7 +8262,7 @@
           <a:lstStyle/>
           <a:p>
             <a:r>
-              <a:rPr lang="en-US" smtClean="0"/>
+              <a:rPr lang="en-US"/>
               <a:t>HCEPDB.csv</a:t>
             </a:r>
             <a:endParaRPr lang="en-US" dirty="0"/>
@@ -9205,22 +8430,17 @@
           <a:lstStyle/>
           <a:p>
             <a:r>
-              <a:rPr lang="en-US" altLang="x-none" smtClean="0"/>
+              <a:rPr lang="en-US" altLang="x-none"/>
               <a:t>Sub-d</a:t>
             </a:r>
             <a:r>
-              <a:rPr lang="en-US" altLang="x-none" smtClean="0">
+              <a:rPr lang="en-US" altLang="x-none">
                 <a:solidFill>
                   <a:schemeClr val="tx1"/>
                 </a:solidFill>
               </a:rPr>
               <a:t>irectory</a:t>
             </a:r>
-            <a:endParaRPr lang="en-US" altLang="x-none">
-              <a:solidFill>
-                <a:schemeClr val="tx1"/>
-              </a:solidFill>
-            </a:endParaRPr>
           </a:p>
         </p:txBody>
       </p:sp>
@@ -9271,7 +8491,7 @@
           <a:lstStyle/>
           <a:p>
             <a:r>
-              <a:rPr lang="en-US" altLang="x-none" dirty="0" smtClean="0">
+              <a:rPr lang="en-US" altLang="x-none" dirty="0">
                 <a:solidFill>
                   <a:schemeClr val="tx1"/>
                 </a:solidFill>
@@ -9279,7 +8499,7 @@
               <a:t>Directory (AKA </a:t>
             </a:r>
             <a:r>
-              <a:rPr lang="en-US" altLang="x-none" dirty="0" err="1" smtClean="0">
+              <a:rPr lang="en-US" altLang="x-none" dirty="0" err="1">
                 <a:solidFill>
                   <a:schemeClr val="tx1"/>
                 </a:solidFill>
@@ -9287,18 +8507,13 @@
               <a:t>dir</a:t>
             </a:r>
             <a:r>
-              <a:rPr lang="en-US" altLang="x-none" dirty="0" smtClean="0">
+              <a:rPr lang="en-US" altLang="x-none" dirty="0">
                 <a:solidFill>
                   <a:schemeClr val="tx1"/>
                 </a:solidFill>
               </a:rPr>
               <a:t>)</a:t>
             </a:r>
-            <a:endParaRPr lang="en-US" altLang="x-none" dirty="0">
-              <a:solidFill>
-                <a:schemeClr val="tx1"/>
-              </a:solidFill>
-            </a:endParaRPr>
           </a:p>
         </p:txBody>
       </p:sp>
@@ -9420,17 +8635,10 @@
   <p:clrMapOvr>
     <a:masterClrMapping/>
   </p:clrMapOvr>
-  <p:timing>
-    <p:tnLst>
-      <p:par>
-        <p:cTn id="1" dur="indefinite" restart="never" nodeType="tmRoot"/>
-      </p:par>
-    </p:tnLst>
-  </p:timing>
 </p:sld>
 </file>
 
-<file path=ppt/slides/slide4.xml><?xml version="1.0" encoding="utf-8"?>
+<file path=ppt/slides/slide3.xml><?xml version="1.0" encoding="utf-8"?>
 <p:sld xmlns:a="http://schemas.openxmlformats.org/drawingml/2006/main" xmlns:r="http://schemas.openxmlformats.org/officeDocument/2006/relationships" xmlns:p="http://schemas.openxmlformats.org/presentationml/2006/main">
   <p:cSld>
     <p:spTree>
@@ -9465,10 +8673,9 @@
           <a:lstStyle/>
           <a:p>
             <a:r>
-              <a:rPr lang="en-US" dirty="0" smtClean="0"/>
+              <a:rPr lang="en-US" dirty="0"/>
               <a:t>GUI vs. Command line</a:t>
             </a:r>
-            <a:endParaRPr lang="en-US" dirty="0"/>
           </a:p>
         </p:txBody>
       </p:sp>
@@ -9652,28 +8859,27 @@
           </a:lstStyle>
           <a:p>
             <a:r>
-              <a:rPr lang="en-US" altLang="x-none" dirty="0" smtClean="0"/>
+              <a:rPr lang="en-US" altLang="x-none" dirty="0"/>
               <a:t>Graphical User Interface (GUI)</a:t>
             </a:r>
           </a:p>
           <a:p>
-            <a:endParaRPr lang="en-US" altLang="x-none" dirty="0" smtClean="0"/>
-          </a:p>
-          <a:p>
-            <a:endParaRPr lang="en-US" altLang="x-none" dirty="0" smtClean="0"/>
-          </a:p>
-          <a:p>
-            <a:endParaRPr lang="en-US" altLang="x-none" dirty="0" smtClean="0"/>
-          </a:p>
-          <a:p>
-            <a:endParaRPr lang="en-US" altLang="x-none" dirty="0" smtClean="0"/>
-          </a:p>
-          <a:p>
-            <a:r>
-              <a:rPr lang="en-US" altLang="x-none" dirty="0" smtClean="0"/>
+            <a:endParaRPr lang="en-US" altLang="x-none" dirty="0"/>
+          </a:p>
+          <a:p>
+            <a:endParaRPr lang="en-US" altLang="x-none" dirty="0"/>
+          </a:p>
+          <a:p>
+            <a:endParaRPr lang="en-US" altLang="x-none" dirty="0"/>
+          </a:p>
+          <a:p>
+            <a:endParaRPr lang="en-US" altLang="x-none" dirty="0"/>
+          </a:p>
+          <a:p>
+            <a:r>
+              <a:rPr lang="en-US" altLang="x-none" dirty="0"/>
               <a:t>Command Line Interface (CLI)</a:t>
             </a:r>
-            <a:endParaRPr lang="en-US" altLang="x-none" dirty="0"/>
           </a:p>
         </p:txBody>
       </p:sp>
@@ -9849,17 +9055,10 @@
   <p:clrMapOvr>
     <a:masterClrMapping/>
   </p:clrMapOvr>
-  <p:timing>
-    <p:tnLst>
-      <p:par>
-        <p:cTn id="1" dur="indefinite" restart="never" nodeType="tmRoot"/>
-      </p:par>
-    </p:tnLst>
-  </p:timing>
 </p:sld>
 </file>
 
-<file path=ppt/slides/slide5.xml><?xml version="1.0" encoding="utf-8"?>
+<file path=ppt/slides/slide4.xml><?xml version="1.0" encoding="utf-8"?>
 <p:sld xmlns:a="http://schemas.openxmlformats.org/drawingml/2006/main" xmlns:r="http://schemas.openxmlformats.org/officeDocument/2006/relationships" xmlns:p="http://schemas.openxmlformats.org/presentationml/2006/main">
   <p:cSld>
     <p:spTree>
@@ -9894,18 +9093,17 @@
           <a:lstStyle/>
           <a:p>
             <a:r>
-              <a:rPr lang="en-US" dirty="0" smtClean="0"/>
+              <a:rPr lang="en-US" dirty="0"/>
               <a:t>Why pointy </a:t>
             </a:r>
             <a:r>
-              <a:rPr lang="en-US" dirty="0" err="1" smtClean="0"/>
+              <a:rPr lang="en-US" dirty="0" err="1"/>
               <a:t>clicky</a:t>
             </a:r>
             <a:r>
-              <a:rPr lang="en-US" dirty="0" smtClean="0"/>
+              <a:rPr lang="en-US" dirty="0"/>
               <a:t> bad</a:t>
             </a:r>
-            <a:endParaRPr lang="en-US" dirty="0"/>
           </a:p>
         </p:txBody>
       </p:sp>
@@ -9927,7 +9125,7 @@
           <a:lstStyle/>
           <a:p>
             <a:r>
-              <a:rPr lang="en-US" dirty="0" smtClean="0"/>
+              <a:rPr lang="en-US" dirty="0"/>
               <a:t>How do you preserve a record of your actions?</a:t>
             </a:r>
           </a:p>
@@ -9936,7 +9134,7 @@
           </a:p>
           <a:p>
             <a:r>
-              <a:rPr lang="en-US" dirty="0" smtClean="0"/>
+              <a:rPr lang="en-US" dirty="0"/>
               <a:t>Using the command line you get history</a:t>
             </a:r>
           </a:p>
@@ -9945,7 +9143,7 @@
           </a:p>
           <a:p>
             <a:r>
-              <a:rPr lang="en-US" dirty="0" smtClean="0"/>
+              <a:rPr lang="en-US" dirty="0"/>
               <a:t>You can collect your commands into a ‘script’ that can be reused to exactly duplicate your procedure</a:t>
             </a:r>
           </a:p>
@@ -10092,7 +9290,7 @@
 </p:sld>
 </file>
 
-<file path=ppt/slides/slide6.xml><?xml version="1.0" encoding="utf-8"?>
+<file path=ppt/slides/slide5.xml><?xml version="1.0" encoding="utf-8"?>
 <p:sld xmlns:a="http://schemas.openxmlformats.org/drawingml/2006/main" xmlns:r="http://schemas.openxmlformats.org/officeDocument/2006/relationships" xmlns:p="http://schemas.openxmlformats.org/presentationml/2006/main">
   <p:cSld>
     <p:spTree>
@@ -10125,10 +9323,9 @@
           <a:lstStyle/>
           <a:p>
             <a:r>
-              <a:rPr lang="en-US" dirty="0" smtClean="0"/>
+              <a:rPr lang="en-US" dirty="0"/>
               <a:t>Command line tools</a:t>
             </a:r>
-            <a:endParaRPr lang="en-US" dirty="0"/>
           </a:p>
         </p:txBody>
       </p:sp>
@@ -10148,25 +9345,25 @@
           <a:lstStyle/>
           <a:p>
             <a:r>
-              <a:rPr lang="en-US" dirty="0" smtClean="0"/>
+              <a:rPr lang="en-US" dirty="0"/>
               <a:t>What is the command line?</a:t>
             </a:r>
           </a:p>
           <a:p>
             <a:pPr lvl="1"/>
             <a:r>
-              <a:rPr lang="en-US" dirty="0" smtClean="0"/>
+              <a:rPr lang="en-US" dirty="0"/>
               <a:t>Also known as a ‘shell’</a:t>
             </a:r>
           </a:p>
           <a:p>
             <a:pPr lvl="1"/>
             <a:r>
-              <a:rPr lang="en-US" dirty="0" smtClean="0"/>
+              <a:rPr lang="en-US" dirty="0"/>
               <a:t>Most common shell is </a:t>
             </a:r>
             <a:r>
-              <a:rPr lang="en-US" dirty="0" smtClean="0">
+              <a:rPr lang="en-US" dirty="0">
                 <a:latin typeface="Courier New" charset="0"/>
                 <a:ea typeface="Courier New" charset="0"/>
                 <a:cs typeface="Courier New" charset="0"/>
@@ -10174,59 +9371,58 @@
               <a:t>bash</a:t>
             </a:r>
             <a:r>
-              <a:rPr lang="en-US" dirty="0" smtClean="0"/>
+              <a:rPr lang="en-US" dirty="0"/>
               <a:t> (what we will use)</a:t>
             </a:r>
           </a:p>
           <a:p>
             <a:pPr lvl="2"/>
             <a:r>
-              <a:rPr lang="en-US" dirty="0" smtClean="0"/>
+              <a:rPr lang="en-US" dirty="0"/>
               <a:t>Bourne Again Shell</a:t>
             </a:r>
           </a:p>
           <a:p>
             <a:pPr lvl="2"/>
             <a:r>
-              <a:rPr lang="en-US" dirty="0" smtClean="0"/>
+              <a:rPr lang="en-US" dirty="0"/>
               <a:t>Reimplementation of a shell from 1977</a:t>
             </a:r>
           </a:p>
           <a:p>
             <a:pPr lvl="2"/>
             <a:r>
-              <a:rPr lang="en-US" dirty="0" smtClean="0"/>
+              <a:rPr lang="en-US" dirty="0"/>
               <a:t>Every OS/X Mac</a:t>
             </a:r>
           </a:p>
           <a:p>
             <a:pPr lvl="2"/>
             <a:r>
-              <a:rPr lang="en-US" dirty="0" smtClean="0"/>
+              <a:rPr lang="en-US" dirty="0"/>
               <a:t>Every Linux box in the world</a:t>
             </a:r>
           </a:p>
           <a:p>
             <a:pPr lvl="2"/>
             <a:r>
-              <a:rPr lang="en-US" dirty="0" smtClean="0"/>
+              <a:rPr lang="en-US" dirty="0"/>
               <a:t>Every supercomputer</a:t>
             </a:r>
           </a:p>
           <a:p>
             <a:pPr lvl="1"/>
             <a:r>
-              <a:rPr lang="en-US" dirty="0" smtClean="0"/>
+              <a:rPr lang="en-US" dirty="0"/>
               <a:t>’Programming’ language itself</a:t>
             </a:r>
           </a:p>
           <a:p>
             <a:pPr lvl="2"/>
             <a:r>
-              <a:rPr lang="en-US" dirty="0" smtClean="0"/>
+              <a:rPr lang="en-US" dirty="0"/>
               <a:t>‘scripting’ language</a:t>
             </a:r>
-            <a:endParaRPr lang="en-US" dirty="0"/>
           </a:p>
         </p:txBody>
       </p:sp>
@@ -10276,10 +9472,9 @@
           <a:lstStyle/>
           <a:p>
             <a:r>
-              <a:rPr lang="en-US" smtClean="0"/>
+              <a:rPr lang="en-US"/>
               <a:t>Ken Thompson</a:t>
             </a:r>
-            <a:endParaRPr lang="en-US"/>
           </a:p>
         </p:txBody>
       </p:sp>
@@ -10293,13 +9488,159 @@
   <p:clrMapOvr>
     <a:masterClrMapping/>
   </p:clrMapOvr>
-  <p:timing>
-    <p:tnLst>
-      <p:par>
-        <p:cTn id="1" dur="indefinite" restart="never" nodeType="tmRoot"/>
-      </p:par>
-    </p:tnLst>
-  </p:timing>
+</p:sld>
+</file>
+
+<file path=ppt/slides/slide6.xml><?xml version="1.0" encoding="utf-8"?>
+<p:sld xmlns:a="http://schemas.openxmlformats.org/drawingml/2006/main" xmlns:r="http://schemas.openxmlformats.org/officeDocument/2006/relationships" xmlns:p="http://schemas.openxmlformats.org/presentationml/2006/main">
+  <p:cSld>
+    <p:spTree>
+      <p:nvGrpSpPr>
+        <p:cNvPr id="1" name=""/>
+        <p:cNvGrpSpPr/>
+        <p:nvPr/>
+      </p:nvGrpSpPr>
+      <p:grpSpPr>
+        <a:xfrm>
+          <a:off x="0" y="0"/>
+          <a:ext cx="0" cy="0"/>
+          <a:chOff x="0" y="0"/>
+          <a:chExt cx="0" cy="0"/>
+        </a:xfrm>
+      </p:grpSpPr>
+      <p:sp>
+        <p:nvSpPr>
+          <p:cNvPr id="2" name="Title 1"/>
+          <p:cNvSpPr>
+            <a:spLocks noGrp="1"/>
+          </p:cNvSpPr>
+          <p:nvPr>
+            <p:ph type="title"/>
+          </p:nvPr>
+        </p:nvSpPr>
+        <p:spPr/>
+        <p:txBody>
+          <a:bodyPr/>
+          <a:lstStyle/>
+          <a:p>
+            <a:r>
+              <a:rPr lang="en-US" dirty="0"/>
+              <a:t>Command line tools</a:t>
+            </a:r>
+          </a:p>
+        </p:txBody>
+      </p:sp>
+      <p:sp>
+        <p:nvSpPr>
+          <p:cNvPr id="3" name="Content Placeholder 2"/>
+          <p:cNvSpPr>
+            <a:spLocks noGrp="1"/>
+          </p:cNvSpPr>
+          <p:nvPr>
+            <p:ph idx="1"/>
+          </p:nvPr>
+        </p:nvSpPr>
+        <p:spPr/>
+        <p:txBody>
+          <a:bodyPr/>
+          <a:lstStyle/>
+          <a:p>
+            <a:pPr>
+              <a:defRPr/>
+            </a:pPr>
+            <a:r>
+              <a:rPr lang="en-US" dirty="0"/>
+              <a:t>Where is the command line?</a:t>
+            </a:r>
+          </a:p>
+          <a:p>
+            <a:pPr lvl="1">
+              <a:defRPr/>
+            </a:pPr>
+            <a:r>
+              <a:rPr lang="en-US" dirty="0"/>
+              <a:t>Mac (pre-installed)</a:t>
+            </a:r>
+          </a:p>
+          <a:p>
+            <a:pPr lvl="2">
+              <a:defRPr/>
+            </a:pPr>
+            <a:r>
+              <a:rPr lang="en-US" dirty="0"/>
+              <a:t>Applications -&gt; Utilities -&gt; Terminal</a:t>
+            </a:r>
+          </a:p>
+          <a:p>
+            <a:pPr lvl="1">
+              <a:defRPr/>
+            </a:pPr>
+            <a:endParaRPr lang="en-US" dirty="0"/>
+          </a:p>
+          <a:p>
+            <a:pPr lvl="1">
+              <a:defRPr/>
+            </a:pPr>
+            <a:r>
+              <a:rPr lang="en-US" dirty="0"/>
+              <a:t>Windows (after install </a:t>
+            </a:r>
+            <a:r>
+              <a:rPr lang="en-US" dirty="0" err="1"/>
+              <a:t>Git</a:t>
+            </a:r>
+            <a:r>
+              <a:rPr lang="en-US" dirty="0"/>
+              <a:t> / Bash)</a:t>
+            </a:r>
+          </a:p>
+          <a:p>
+            <a:pPr lvl="2">
+              <a:defRPr/>
+            </a:pPr>
+            <a:r>
+              <a:rPr lang="en-US" dirty="0"/>
+              <a:t>Start -&gt; </a:t>
+            </a:r>
+            <a:r>
+              <a:rPr lang="en-US" dirty="0" err="1"/>
+              <a:t>Git</a:t>
+            </a:r>
+            <a:r>
+              <a:rPr lang="en-US" dirty="0"/>
+              <a:t> -&gt; </a:t>
+            </a:r>
+            <a:r>
+              <a:rPr lang="en-US" dirty="0" err="1"/>
+              <a:t>Git</a:t>
+            </a:r>
+            <a:r>
+              <a:rPr lang="en-US" dirty="0"/>
+              <a:t> Bash</a:t>
+            </a:r>
+          </a:p>
+          <a:p>
+            <a:endParaRPr lang="en-US" dirty="0"/>
+          </a:p>
+          <a:p>
+            <a:pPr lvl="1"/>
+            <a:r>
+              <a:rPr lang="en-US" dirty="0"/>
+              <a:t>Give it a go!  Open a shell window.</a:t>
+            </a:r>
+          </a:p>
+        </p:txBody>
+      </p:sp>
+    </p:spTree>
+    <p:extLst>
+      <p:ext uri="{BB962C8B-B14F-4D97-AF65-F5344CB8AC3E}">
+        <p14:creationId xmlns:p14="http://schemas.microsoft.com/office/powerpoint/2010/main" val="619412293"/>
+      </p:ext>
+    </p:extLst>
+  </p:cSld>
+  <p:clrMapOvr>
+    <a:masterClrMapping/>
+  </p:clrMapOvr>
 </p:sld>
 </file>
 
@@ -10336,10 +9677,9 @@
           <a:lstStyle/>
           <a:p>
             <a:r>
-              <a:rPr lang="en-US" dirty="0" smtClean="0"/>
+              <a:rPr lang="en-US" dirty="0"/>
               <a:t>Command line tools</a:t>
             </a:r>
-            <a:endParaRPr lang="en-US" dirty="0"/>
           </a:p>
         </p:txBody>
       </p:sp>
@@ -10358,230 +9698,68 @@
           <a:bodyPr/>
           <a:lstStyle/>
           <a:p>
-            <a:pPr>
-              <a:defRPr/>
-            </a:pPr>
             <a:r>
               <a:rPr lang="en-US" dirty="0"/>
-              <a:t>Where is the command line?</a:t>
-            </a:r>
-          </a:p>
-          <a:p>
-            <a:pPr lvl="1">
-              <a:defRPr/>
-            </a:pPr>
+              <a:t>Commands take ‘arguments’ </a:t>
+            </a:r>
+          </a:p>
+          <a:p>
+            <a:pPr lvl="1"/>
             <a:r>
               <a:rPr lang="en-US" dirty="0"/>
-              <a:t>Mac (pre-installed)</a:t>
-            </a:r>
-          </a:p>
-          <a:p>
-            <a:pPr lvl="2">
-              <a:defRPr/>
-            </a:pPr>
+              <a:t>Stuff after the command name</a:t>
+            </a:r>
+          </a:p>
+          <a:p>
+            <a:pPr lvl="1"/>
             <a:r>
               <a:rPr lang="en-US" dirty="0"/>
-              <a:t>Applications -&gt; Utilities -&gt; Terminal</a:t>
-            </a:r>
-          </a:p>
-          <a:p>
-            <a:pPr lvl="1">
-              <a:defRPr/>
-            </a:pPr>
-            <a:endParaRPr lang="en-US" dirty="0"/>
-          </a:p>
-          <a:p>
-            <a:pPr lvl="1">
-              <a:defRPr/>
-            </a:pPr>
+              <a:t>Arguments alter the function of the command</a:t>
+            </a:r>
+          </a:p>
+          <a:p>
+            <a:pPr lvl="2"/>
             <a:r>
               <a:rPr lang="en-US" dirty="0"/>
-              <a:t>Windows (after install </a:t>
-            </a:r>
-            <a:r>
-              <a:rPr lang="en-US" dirty="0" err="1"/>
-              <a:t>Git</a:t>
-            </a:r>
+              <a:t>E.g. specify what file to use as input or output</a:t>
+            </a:r>
+          </a:p>
+          <a:p>
+            <a:pPr lvl="1"/>
             <a:r>
               <a:rPr lang="en-US" dirty="0"/>
-              <a:t> / Bash)</a:t>
-            </a:r>
-          </a:p>
-          <a:p>
-            <a:pPr lvl="2">
-              <a:defRPr/>
-            </a:pPr>
+              <a:t>Many commands accept the special argument to return help, usually one of</a:t>
+            </a:r>
+          </a:p>
+          <a:p>
+            <a:pPr lvl="2"/>
             <a:r>
               <a:rPr lang="en-US" dirty="0"/>
-              <a:t>Start -&gt; </a:t>
-            </a:r>
-            <a:r>
-              <a:rPr lang="en-US" dirty="0" err="1"/>
-              <a:t>Git</a:t>
-            </a:r>
+              <a:t>--help</a:t>
+            </a:r>
+          </a:p>
+          <a:p>
+            <a:pPr lvl="2"/>
             <a:r>
               <a:rPr lang="en-US" dirty="0"/>
-              <a:t> -&gt; </a:t>
-            </a:r>
-            <a:r>
-              <a:rPr lang="en-US" dirty="0" err="1"/>
-              <a:t>Git</a:t>
-            </a:r>
+              <a:t>-help</a:t>
+            </a:r>
+          </a:p>
+          <a:p>
+            <a:pPr lvl="2"/>
             <a:r>
               <a:rPr lang="en-US" dirty="0"/>
-              <a:t> Bash</a:t>
-            </a:r>
-          </a:p>
-          <a:p>
-            <a:endParaRPr lang="en-US" dirty="0" smtClean="0"/>
-          </a:p>
-          <a:p>
-            <a:pPr lvl="1"/>
-            <a:r>
-              <a:rPr lang="en-US" dirty="0" smtClean="0"/>
-              <a:t>Give it a go!  Open a shell window.</a:t>
-            </a:r>
-            <a:endParaRPr lang="en-US" dirty="0"/>
-          </a:p>
-        </p:txBody>
-      </p:sp>
-    </p:spTree>
-    <p:extLst>
-      <p:ext uri="{BB962C8B-B14F-4D97-AF65-F5344CB8AC3E}">
-        <p14:creationId xmlns:p14="http://schemas.microsoft.com/office/powerpoint/2010/main" val="619412293"/>
-      </p:ext>
-    </p:extLst>
-  </p:cSld>
-  <p:clrMapOvr>
-    <a:masterClrMapping/>
-  </p:clrMapOvr>
-  <p:timing>
-    <p:tnLst>
-      <p:par>
-        <p:cTn id="1" dur="indefinite" restart="never" nodeType="tmRoot"/>
-      </p:par>
-    </p:tnLst>
-  </p:timing>
-</p:sld>
-</file>
-
-<file path=ppt/slides/slide8.xml><?xml version="1.0" encoding="utf-8"?>
-<p:sld xmlns:a="http://schemas.openxmlformats.org/drawingml/2006/main" xmlns:r="http://schemas.openxmlformats.org/officeDocument/2006/relationships" xmlns:p="http://schemas.openxmlformats.org/presentationml/2006/main">
-  <p:cSld>
-    <p:spTree>
-      <p:nvGrpSpPr>
-        <p:cNvPr id="1" name=""/>
-        <p:cNvGrpSpPr/>
-        <p:nvPr/>
-      </p:nvGrpSpPr>
-      <p:grpSpPr>
-        <a:xfrm>
-          <a:off x="0" y="0"/>
-          <a:ext cx="0" cy="0"/>
-          <a:chOff x="0" y="0"/>
-          <a:chExt cx="0" cy="0"/>
-        </a:xfrm>
-      </p:grpSpPr>
-      <p:sp>
-        <p:nvSpPr>
-          <p:cNvPr id="2" name="Title 1"/>
-          <p:cNvSpPr>
-            <a:spLocks noGrp="1"/>
-          </p:cNvSpPr>
-          <p:nvPr>
-            <p:ph type="title"/>
-          </p:nvPr>
-        </p:nvSpPr>
-        <p:spPr/>
-        <p:txBody>
-          <a:bodyPr/>
-          <a:lstStyle/>
-          <a:p>
-            <a:r>
-              <a:rPr lang="en-US" dirty="0" smtClean="0"/>
-              <a:t>Command line tools</a:t>
-            </a:r>
-            <a:endParaRPr lang="en-US" dirty="0"/>
-          </a:p>
-        </p:txBody>
-      </p:sp>
-      <p:sp>
-        <p:nvSpPr>
-          <p:cNvPr id="3" name="Content Placeholder 2"/>
-          <p:cNvSpPr>
-            <a:spLocks noGrp="1"/>
-          </p:cNvSpPr>
-          <p:nvPr>
-            <p:ph idx="1"/>
-          </p:nvPr>
-        </p:nvSpPr>
-        <p:spPr/>
-        <p:txBody>
-          <a:bodyPr/>
-          <a:lstStyle/>
-          <a:p>
-            <a:r>
-              <a:rPr lang="en-US" dirty="0" smtClean="0"/>
-              <a:t>Commands take ‘arguments’ </a:t>
-            </a:r>
-          </a:p>
-          <a:p>
-            <a:pPr lvl="1"/>
-            <a:r>
-              <a:rPr lang="en-US" dirty="0" smtClean="0"/>
-              <a:t>Stuff after the command name</a:t>
-            </a:r>
-          </a:p>
-          <a:p>
-            <a:pPr lvl="1"/>
-            <a:r>
-              <a:rPr lang="en-US" dirty="0" smtClean="0"/>
-              <a:t>Arguments alter the function of the command</a:t>
+              <a:t>-h</a:t>
             </a:r>
           </a:p>
           <a:p>
             <a:pPr lvl="2"/>
             <a:r>
-              <a:rPr lang="en-US" dirty="0" smtClean="0"/>
-              <a:t>E.g. specify what file to use as input or output</a:t>
-            </a:r>
-          </a:p>
-          <a:p>
-            <a:pPr lvl="1"/>
-            <a:r>
-              <a:rPr lang="en-US" dirty="0" smtClean="0"/>
-              <a:t>Many commands accept the special argument to return help, usually one of</a:t>
-            </a:r>
-          </a:p>
-          <a:p>
-            <a:pPr lvl="2"/>
-            <a:r>
-              <a:rPr lang="en-US" dirty="0" smtClean="0"/>
-              <a:t>--help</a:t>
-            </a:r>
-          </a:p>
-          <a:p>
-            <a:pPr lvl="2"/>
-            <a:r>
-              <a:rPr lang="en-US" dirty="0" smtClean="0"/>
-              <a:t>-help</a:t>
-            </a:r>
-          </a:p>
-          <a:p>
-            <a:pPr lvl="2"/>
-            <a:r>
-              <a:rPr lang="en-US" dirty="0" smtClean="0"/>
-              <a:t>-h</a:t>
-            </a:r>
-          </a:p>
-          <a:p>
-            <a:pPr lvl="2"/>
-            <a:r>
-              <a:rPr lang="en-US" strike="sngStrike" dirty="0" smtClean="0"/>
+              <a:rPr lang="en-US" strike="sngStrike" dirty="0"/>
               <a:t>-</a:t>
             </a:r>
             <a:r>
-              <a:rPr lang="en-US" strike="sngStrike" dirty="0" err="1" smtClean="0"/>
+              <a:rPr lang="en-US" strike="sngStrike" dirty="0" err="1"/>
               <a:t>omghelpmeImlost</a:t>
             </a:r>
             <a:endParaRPr lang="en-US" strike="sngStrike" dirty="0"/>
@@ -10951,7 +10129,7 @@
 </p:sld>
 </file>
 
-<file path=ppt/slides/slide9.xml><?xml version="1.0" encoding="utf-8"?>
+<file path=ppt/slides/slide8.xml><?xml version="1.0" encoding="utf-8"?>
 <p:sld xmlns:a="http://schemas.openxmlformats.org/drawingml/2006/main" xmlns:r="http://schemas.openxmlformats.org/officeDocument/2006/relationships" xmlns:p="http://schemas.openxmlformats.org/presentationml/2006/main">
   <p:cSld>
     <p:spTree>
@@ -10984,10 +10162,9 @@
           <a:lstStyle/>
           <a:p>
             <a:r>
-              <a:rPr lang="en-US" dirty="0" smtClean="0"/>
+              <a:rPr lang="en-US" dirty="0"/>
               <a:t>Command line tips and tricks</a:t>
             </a:r>
-            <a:endParaRPr lang="en-US" dirty="0"/>
           </a:p>
         </p:txBody>
       </p:sp>
@@ -11007,33 +10184,33 @@
           <a:lstStyle/>
           <a:p>
             <a:r>
-              <a:rPr lang="en-US" dirty="0" smtClean="0"/>
+              <a:rPr lang="en-US" dirty="0"/>
               <a:t>Tab completion is your friend</a:t>
             </a:r>
           </a:p>
           <a:p>
             <a:pPr lvl="1"/>
             <a:r>
-              <a:rPr lang="en-US" dirty="0" smtClean="0"/>
+              <a:rPr lang="en-US" dirty="0"/>
               <a:t>When entering a file arguments</a:t>
             </a:r>
           </a:p>
           <a:p>
             <a:pPr lvl="1"/>
             <a:r>
-              <a:rPr lang="en-US" dirty="0" smtClean="0"/>
+              <a:rPr lang="en-US" dirty="0"/>
               <a:t>When entering directory </a:t>
             </a:r>
             <a:r>
-              <a:rPr lang="en-US" dirty="0" err="1" smtClean="0"/>
+              <a:rPr lang="en-US" dirty="0" err="1"/>
               <a:t>pathes</a:t>
             </a:r>
-            <a:endParaRPr lang="en-US" dirty="0" smtClean="0"/>
+            <a:endParaRPr lang="en-US" dirty="0"/>
           </a:p>
           <a:p>
             <a:pPr lvl="1"/>
             <a:r>
-              <a:rPr lang="en-US" dirty="0" smtClean="0"/>
+              <a:rPr lang="en-US" dirty="0"/>
               <a:t>Hitting tab will autocomplete the filename!</a:t>
             </a:r>
           </a:p>
@@ -11044,10 +10221,9 @@
           <a:p>
             <a:pPr lvl="1"/>
             <a:r>
-              <a:rPr lang="en-US" dirty="0" smtClean="0"/>
+              <a:rPr lang="en-US" dirty="0"/>
               <a:t>I will pester you about this</a:t>
             </a:r>
-            <a:endParaRPr lang="en-US" dirty="0"/>
           </a:p>
         </p:txBody>
       </p:sp>
@@ -11085,13 +10261,234 @@
   <p:clrMapOvr>
     <a:masterClrMapping/>
   </p:clrMapOvr>
-  <p:timing>
-    <p:tnLst>
-      <p:par>
-        <p:cTn id="1" dur="indefinite" restart="never" nodeType="tmRoot"/>
-      </p:par>
-    </p:tnLst>
-  </p:timing>
+</p:sld>
+</file>
+
+<file path=ppt/slides/slide9.xml><?xml version="1.0" encoding="utf-8"?>
+<p:sld xmlns:a="http://schemas.openxmlformats.org/drawingml/2006/main" xmlns:r="http://schemas.openxmlformats.org/officeDocument/2006/relationships" xmlns:p="http://schemas.openxmlformats.org/presentationml/2006/main">
+  <p:cSld>
+    <p:spTree>
+      <p:nvGrpSpPr>
+        <p:cNvPr id="1" name=""/>
+        <p:cNvGrpSpPr/>
+        <p:nvPr/>
+      </p:nvGrpSpPr>
+      <p:grpSpPr>
+        <a:xfrm>
+          <a:off x="0" y="0"/>
+          <a:ext cx="0" cy="0"/>
+          <a:chOff x="0" y="0"/>
+          <a:chExt cx="0" cy="0"/>
+        </a:xfrm>
+      </p:grpSpPr>
+      <p:sp>
+        <p:nvSpPr>
+          <p:cNvPr id="2" name="Title 1"/>
+          <p:cNvSpPr>
+            <a:spLocks noGrp="1"/>
+          </p:cNvSpPr>
+          <p:nvPr>
+            <p:ph type="title"/>
+          </p:nvPr>
+        </p:nvSpPr>
+        <p:spPr/>
+        <p:txBody>
+          <a:bodyPr/>
+          <a:lstStyle/>
+          <a:p>
+            <a:r>
+              <a:rPr lang="en-US" altLang="x-none" dirty="0"/>
+              <a:t>Commands for files &amp; </a:t>
+            </a:r>
+            <a:r>
+              <a:rPr lang="en-US" altLang="x-none" dirty="0" err="1"/>
+              <a:t>dirs</a:t>
+            </a:r>
+            <a:endParaRPr lang="en-US" dirty="0"/>
+          </a:p>
+        </p:txBody>
+      </p:sp>
+      <p:sp>
+        <p:nvSpPr>
+          <p:cNvPr id="3" name="Content Placeholder 2"/>
+          <p:cNvSpPr>
+            <a:spLocks noGrp="1"/>
+          </p:cNvSpPr>
+          <p:nvPr>
+            <p:ph idx="1"/>
+          </p:nvPr>
+        </p:nvSpPr>
+        <p:spPr/>
+        <p:txBody>
+          <a:bodyPr/>
+          <a:lstStyle/>
+          <a:p>
+            <a:pPr marL="457200" indent="-457200">
+              <a:buFont typeface="Arial" charset="0"/>
+              <a:buChar char="•"/>
+            </a:pPr>
+            <a:r>
+              <a:rPr lang="en-US" altLang="x-none" dirty="0"/>
+              <a:t>By category</a:t>
+            </a:r>
+          </a:p>
+          <a:p>
+            <a:pPr marL="857250" lvl="1" indent="-457200">
+              <a:buFont typeface="Arial" charset="0"/>
+              <a:buChar char="•"/>
+            </a:pPr>
+            <a:r>
+              <a:rPr lang="en-US" altLang="x-none" dirty="0"/>
+              <a:t>Create</a:t>
+            </a:r>
+          </a:p>
+          <a:p>
+            <a:pPr marL="1257300" lvl="2" indent="-457200">
+              <a:buFont typeface="Arial" charset="0"/>
+              <a:buChar char="•"/>
+            </a:pPr>
+            <a:r>
+              <a:rPr lang="en-US" altLang="x-none" dirty="0"/>
+              <a:t>Directory: </a:t>
+            </a:r>
+            <a:r>
+              <a:rPr lang="en-US" altLang="x-none" dirty="0" err="1">
+                <a:latin typeface="Courier New" charset="0"/>
+              </a:rPr>
+              <a:t>mkdir</a:t>
+            </a:r>
+            <a:endParaRPr lang="en-US" altLang="x-none" dirty="0">
+              <a:latin typeface="Courier New" charset="0"/>
+            </a:endParaRPr>
+          </a:p>
+          <a:p>
+            <a:pPr marL="1257300" lvl="2" indent="-457200">
+              <a:buFont typeface="Arial" charset="0"/>
+              <a:buChar char="•"/>
+            </a:pPr>
+            <a:r>
+              <a:rPr lang="en-US" altLang="x-none" dirty="0"/>
+              <a:t>File: various (e.g., </a:t>
+            </a:r>
+            <a:r>
+              <a:rPr lang="en-US" altLang="x-none" dirty="0" err="1">
+                <a:latin typeface="Courier New" charset="0"/>
+              </a:rPr>
+              <a:t>cp</a:t>
+            </a:r>
+            <a:r>
+              <a:rPr lang="en-US" altLang="x-none" dirty="0">
+                <a:latin typeface="Courier New" charset="0"/>
+              </a:rPr>
+              <a:t>, touch</a:t>
+            </a:r>
+            <a:r>
+              <a:rPr lang="en-US" altLang="x-none" dirty="0"/>
+              <a:t>)</a:t>
+            </a:r>
+          </a:p>
+          <a:p>
+            <a:pPr marL="857250" lvl="1" indent="-457200">
+              <a:buFont typeface="Arial" charset="0"/>
+              <a:buChar char="•"/>
+            </a:pPr>
+            <a:r>
+              <a:rPr lang="en-US" altLang="x-none" dirty="0"/>
+              <a:t>View contents</a:t>
+            </a:r>
+          </a:p>
+          <a:p>
+            <a:pPr marL="1257300" lvl="2" indent="-457200">
+              <a:buFont typeface="Arial" charset="0"/>
+              <a:buChar char="•"/>
+            </a:pPr>
+            <a:r>
+              <a:rPr lang="en-US" altLang="x-none" dirty="0"/>
+              <a:t>Directory: </a:t>
+            </a:r>
+            <a:r>
+              <a:rPr lang="en-US" altLang="x-none" dirty="0">
+                <a:latin typeface="Courier New" charset="0"/>
+              </a:rPr>
+              <a:t>ls</a:t>
+            </a:r>
+          </a:p>
+          <a:p>
+            <a:pPr marL="1257300" lvl="2" indent="-457200">
+              <a:buFont typeface="Arial" charset="0"/>
+              <a:buChar char="•"/>
+            </a:pPr>
+            <a:r>
+              <a:rPr lang="en-US" altLang="x-none" dirty="0"/>
+              <a:t>File: </a:t>
+            </a:r>
+            <a:r>
+              <a:rPr lang="en-US" altLang="x-none" dirty="0">
+                <a:latin typeface="Courier New" charset="0"/>
+              </a:rPr>
+              <a:t>cat</a:t>
+            </a:r>
+          </a:p>
+          <a:p>
+            <a:pPr marL="857250" lvl="1" indent="-457200">
+              <a:buFont typeface="Arial" charset="0"/>
+              <a:buChar char="•"/>
+            </a:pPr>
+            <a:r>
+              <a:rPr lang="en-US" altLang="x-none" dirty="0"/>
+              <a:t>Remove</a:t>
+            </a:r>
+          </a:p>
+          <a:p>
+            <a:pPr marL="1257300" lvl="2" indent="-457200">
+              <a:buFont typeface="Arial" charset="0"/>
+              <a:buChar char="•"/>
+            </a:pPr>
+            <a:r>
+              <a:rPr lang="en-US" altLang="x-none" dirty="0"/>
+              <a:t>Directory: </a:t>
+            </a:r>
+            <a:r>
+              <a:rPr lang="en-US" altLang="x-none" dirty="0" err="1">
+                <a:latin typeface="Courier New" charset="0"/>
+              </a:rPr>
+              <a:t>rmdir</a:t>
+            </a:r>
+            <a:endParaRPr lang="en-US" altLang="x-none" dirty="0">
+              <a:latin typeface="Courier New" charset="0"/>
+            </a:endParaRPr>
+          </a:p>
+          <a:p>
+            <a:pPr marL="1257300" lvl="2" indent="-457200">
+              <a:buFont typeface="Arial" charset="0"/>
+              <a:buChar char="•"/>
+            </a:pPr>
+            <a:r>
+              <a:rPr lang="en-US" altLang="x-none" dirty="0"/>
+              <a:t>File: </a:t>
+            </a:r>
+            <a:r>
+              <a:rPr lang="en-US" altLang="x-none" dirty="0" err="1">
+                <a:latin typeface="Courier New" charset="0"/>
+              </a:rPr>
+              <a:t>rm</a:t>
+            </a:r>
+            <a:endParaRPr lang="en-US" altLang="x-none" dirty="0">
+              <a:latin typeface="Courier New" charset="0"/>
+            </a:endParaRPr>
+          </a:p>
+        </p:txBody>
+      </p:sp>
+    </p:spTree>
+    <p:extLst>
+      <p:ext uri="{BB962C8B-B14F-4D97-AF65-F5344CB8AC3E}">
+        <p14:creationId xmlns:p14="http://schemas.microsoft.com/office/powerpoint/2010/main" val="1184325561"/>
+      </p:ext>
+    </p:extLst>
+  </p:cSld>
+  <p:clrMapOvr>
+    <a:masterClrMapping/>
+  </p:clrMapOvr>
 </p:sld>
 </file>
 
